--- a/Datas/시장조사 1차.pptx
+++ b/Datas/시장조사 1차.pptx
@@ -5,7 +5,13 @@
     <p:sldMasterId id="2147483648" r:id="rId1"/>
   </p:sldMasterIdLst>
   <p:sldIdLst>
-    <p:sldId id="256" r:id="rId2"/>
+    <p:sldId id="258" r:id="rId2"/>
+    <p:sldId id="256" r:id="rId3"/>
+    <p:sldId id="260" r:id="rId4"/>
+    <p:sldId id="257" r:id="rId5"/>
+    <p:sldId id="259" r:id="rId6"/>
+    <p:sldId id="262" r:id="rId7"/>
+    <p:sldId id="261" r:id="rId8"/>
   </p:sldIdLst>
   <p:sldSz cx="12192000" cy="6858000"/>
   <p:notesSz cx="6858000" cy="9144000"/>
@@ -104,6 +110,11 @@
       </a:defRPr>
     </a:lvl9pPr>
   </p:defaultTextStyle>
+  <p:extLst>
+    <p:ext uri="{EFAFB233-063F-42B5-8137-9DF3F51BA10A}">
+      <p15:sldGuideLst xmlns:p15="http://schemas.microsoft.com/office/powerpoint/2012/main"/>
+    </p:ext>
+  </p:extLst>
 </p:presentation>
 </file>
 
@@ -3321,12 +3332,59 @@
           <a:chExt cx="0" cy="0"/>
         </a:xfrm>
       </p:grpSpPr>
-      <p:sp>
-        <p:nvSpPr>
-          <p:cNvPr id="4" name="TextBox 3">
-            <a:extLst>
-              <a:ext uri="{FF2B5EF4-FFF2-40B4-BE49-F238E27FC236}">
-                <a16:creationId xmlns:a16="http://schemas.microsoft.com/office/drawing/2014/main" id="{295E3873-38D8-40BD-B3F6-D56D8DC4372B}"/>
+      <p:pic>
+        <p:nvPicPr>
+          <p:cNvPr id="3074" name="Picture 2" descr="Porter's five forces analysis - Wikipedia">
+            <a:extLst>
+              <a:ext uri="{FF2B5EF4-FFF2-40B4-BE49-F238E27FC236}">
+                <a16:creationId xmlns:a16="http://schemas.microsoft.com/office/drawing/2014/main" id="{F02900E6-7681-4314-B86B-0B6303320841}"/>
+              </a:ext>
+            </a:extLst>
+          </p:cNvPr>
+          <p:cNvPicPr>
+            <a:picLocks noChangeAspect="1" noChangeArrowheads="1"/>
+          </p:cNvPicPr>
+          <p:nvPr/>
+        </p:nvPicPr>
+        <p:blipFill>
+          <a:blip r:embed="rId2">
+            <a:extLst>
+              <a:ext uri="{28A0092B-C50C-407E-A947-70E740481C1C}">
+                <a14:useLocalDpi xmlns:a14="http://schemas.microsoft.com/office/drawing/2010/main" val="0"/>
+              </a:ext>
+            </a:extLst>
+          </a:blip>
+          <a:srcRect/>
+          <a:stretch>
+            <a:fillRect/>
+          </a:stretch>
+        </p:blipFill>
+        <p:spPr bwMode="auto">
+          <a:xfrm>
+            <a:off x="4429125" y="2366961"/>
+            <a:ext cx="3333750" cy="2124075"/>
+          </a:xfrm>
+          <a:prstGeom prst="rect">
+            <a:avLst/>
+          </a:prstGeom>
+          <a:noFill/>
+          <a:extLst>
+            <a:ext uri="{909E8E84-426E-40DD-AFC4-6F175D3DCCD1}">
+              <a14:hiddenFill xmlns:a14="http://schemas.microsoft.com/office/drawing/2010/main">
+                <a:solidFill>
+                  <a:srgbClr val="FFFFFF"/>
+                </a:solidFill>
+              </a14:hiddenFill>
+            </a:ext>
+          </a:extLst>
+        </p:spPr>
+      </p:pic>
+      <p:sp>
+        <p:nvSpPr>
+          <p:cNvPr id="5" name="TextBox 4">
+            <a:extLst>
+              <a:ext uri="{FF2B5EF4-FFF2-40B4-BE49-F238E27FC236}">
+                <a16:creationId xmlns:a16="http://schemas.microsoft.com/office/drawing/2014/main" id="{922395C0-9DD8-4DBC-9051-9607D7F8353F}"/>
               </a:ext>
             </a:extLst>
           </p:cNvPr>
@@ -3336,7 +3394,7 @@
         <p:spPr>
           <a:xfrm>
             <a:off x="308344" y="446567"/>
-            <a:ext cx="2997937" cy="369332"/>
+            <a:ext cx="4712957" cy="646331"/>
           </a:xfrm>
           <a:prstGeom prst="rect">
             <a:avLst/>
@@ -3350,18 +3408,1522 @@
           <a:lstStyle/>
           <a:p>
             <a:r>
-              <a:rPr lang="en-US" altLang="ko-KR" dirty="0"/>
+              <a:rPr lang="en-US" altLang="ko-KR" dirty="0">
+                <a:latin typeface="+mj-lt"/>
+              </a:rPr>
+              <a:t>0. </a:t>
+            </a:r>
+            <a:r>
+              <a:rPr lang="ko-KR" altLang="en-US" dirty="0">
+                <a:latin typeface="+mj-lt"/>
+              </a:rPr>
+              <a:t>경쟁 세력 모델</a:t>
+            </a:r>
+            <a:endParaRPr lang="en-US" altLang="ko-KR" dirty="0">
+              <a:latin typeface="+mj-lt"/>
+            </a:endParaRPr>
+          </a:p>
+          <a:p>
+            <a:r>
+              <a:rPr lang="en-US" altLang="ko-KR" dirty="0">
+                <a:latin typeface="+mj-lt"/>
+              </a:rPr>
+              <a:t>	5</a:t>
+            </a:r>
+            <a:r>
+              <a:rPr lang="ko-KR" altLang="en-US" dirty="0">
+                <a:latin typeface="+mj-lt"/>
+              </a:rPr>
+              <a:t>세력 모델</a:t>
+            </a:r>
+            <a:r>
+              <a:rPr lang="en-US" altLang="ko-KR" dirty="0">
+                <a:latin typeface="+mj-lt"/>
+              </a:rPr>
+              <a:t>: Porter’s 5 force model</a:t>
+            </a:r>
+            <a:endParaRPr lang="ko-KR" altLang="en-US" dirty="0">
+              <a:latin typeface="+mj-lt"/>
+            </a:endParaRPr>
+          </a:p>
+        </p:txBody>
+      </p:sp>
+      <p:sp>
+        <p:nvSpPr>
+          <p:cNvPr id="6" name="TextBox 5">
+            <a:extLst>
+              <a:ext uri="{FF2B5EF4-FFF2-40B4-BE49-F238E27FC236}">
+                <a16:creationId xmlns:a16="http://schemas.microsoft.com/office/drawing/2014/main" id="{2F170E1F-9A8D-40D1-90D8-5CD725B851B9}"/>
+              </a:ext>
+            </a:extLst>
+          </p:cNvPr>
+          <p:cNvSpPr txBox="1"/>
+          <p:nvPr/>
+        </p:nvSpPr>
+        <p:spPr>
+          <a:xfrm>
+            <a:off x="2778746" y="3275109"/>
+            <a:ext cx="1650379" cy="307777"/>
+          </a:xfrm>
+          <a:prstGeom prst="rect">
+            <a:avLst/>
+          </a:prstGeom>
+          <a:noFill/>
+        </p:spPr>
+        <p:txBody>
+          <a:bodyPr wrap="square" rtlCol="0">
+            <a:spAutoFit/>
+          </a:bodyPr>
+          <a:lstStyle/>
+          <a:p>
+            <a:r>
+              <a:rPr lang="ko-KR" altLang="en-US" sz="1400" dirty="0">
+                <a:latin typeface="+mj-lt"/>
+              </a:rPr>
+              <a:t>신규 경쟁자</a:t>
+            </a:r>
+            <a:endParaRPr lang="en-US" altLang="ko-KR" sz="1400" dirty="0">
+              <a:latin typeface="+mj-lt"/>
+            </a:endParaRPr>
+          </a:p>
+        </p:txBody>
+      </p:sp>
+      <p:sp>
+        <p:nvSpPr>
+          <p:cNvPr id="7" name="TextBox 6">
+            <a:extLst>
+              <a:ext uri="{FF2B5EF4-FFF2-40B4-BE49-F238E27FC236}">
+                <a16:creationId xmlns:a16="http://schemas.microsoft.com/office/drawing/2014/main" id="{5C82A3B8-440F-46CF-83B8-45476D2FA288}"/>
+              </a:ext>
+            </a:extLst>
+          </p:cNvPr>
+          <p:cNvSpPr txBox="1"/>
+          <p:nvPr/>
+        </p:nvSpPr>
+        <p:spPr>
+          <a:xfrm>
+            <a:off x="7762875" y="3275109"/>
+            <a:ext cx="1650379" cy="307777"/>
+          </a:xfrm>
+          <a:prstGeom prst="rect">
+            <a:avLst/>
+          </a:prstGeom>
+          <a:noFill/>
+        </p:spPr>
+        <p:txBody>
+          <a:bodyPr wrap="square" rtlCol="0">
+            <a:spAutoFit/>
+          </a:bodyPr>
+          <a:lstStyle/>
+          <a:p>
+            <a:pPr algn="r"/>
+            <a:r>
+              <a:rPr lang="ko-KR" altLang="en-US" sz="1400" dirty="0">
+                <a:latin typeface="+mj-lt"/>
+              </a:rPr>
+              <a:t>대체재</a:t>
+            </a:r>
+            <a:endParaRPr lang="en-US" altLang="ko-KR" sz="1400" dirty="0">
+              <a:latin typeface="+mj-lt"/>
+            </a:endParaRPr>
+          </a:p>
+        </p:txBody>
+      </p:sp>
+      <p:sp>
+        <p:nvSpPr>
+          <p:cNvPr id="8" name="TextBox 7">
+            <a:extLst>
+              <a:ext uri="{FF2B5EF4-FFF2-40B4-BE49-F238E27FC236}">
+                <a16:creationId xmlns:a16="http://schemas.microsoft.com/office/drawing/2014/main" id="{D369DCE3-A21E-4263-96C0-E7DEB5A7F4EF}"/>
+              </a:ext>
+            </a:extLst>
+          </p:cNvPr>
+          <p:cNvSpPr txBox="1"/>
+          <p:nvPr/>
+        </p:nvSpPr>
+        <p:spPr>
+          <a:xfrm>
+            <a:off x="5270810" y="4491036"/>
+            <a:ext cx="1650379" cy="307777"/>
+          </a:xfrm>
+          <a:prstGeom prst="rect">
+            <a:avLst/>
+          </a:prstGeom>
+          <a:noFill/>
+        </p:spPr>
+        <p:txBody>
+          <a:bodyPr wrap="square" rtlCol="0">
+            <a:spAutoFit/>
+          </a:bodyPr>
+          <a:lstStyle/>
+          <a:p>
+            <a:pPr algn="ctr"/>
+            <a:r>
+              <a:rPr lang="ko-KR" altLang="en-US" sz="1400" dirty="0">
+                <a:latin typeface="+mj-lt"/>
+              </a:rPr>
+              <a:t>고객 </a:t>
+            </a:r>
+            <a:r>
+              <a:rPr lang="en-US" altLang="ko-KR" sz="1400" dirty="0">
+                <a:latin typeface="+mj-lt"/>
+              </a:rPr>
+              <a:t>/ </a:t>
+            </a:r>
+            <a:r>
+              <a:rPr lang="ko-KR" altLang="en-US" sz="1400" dirty="0">
+                <a:latin typeface="+mj-lt"/>
+              </a:rPr>
+              <a:t>사용자</a:t>
+            </a:r>
+            <a:endParaRPr lang="en-US" altLang="ko-KR" sz="1400" dirty="0">
+              <a:latin typeface="+mj-lt"/>
+            </a:endParaRPr>
+          </a:p>
+        </p:txBody>
+      </p:sp>
+      <p:sp>
+        <p:nvSpPr>
+          <p:cNvPr id="9" name="TextBox 8">
+            <a:extLst>
+              <a:ext uri="{FF2B5EF4-FFF2-40B4-BE49-F238E27FC236}">
+                <a16:creationId xmlns:a16="http://schemas.microsoft.com/office/drawing/2014/main" id="{4DF1DD8D-809C-4415-A9F6-EEA129D8627E}"/>
+              </a:ext>
+            </a:extLst>
+          </p:cNvPr>
+          <p:cNvSpPr txBox="1"/>
+          <p:nvPr/>
+        </p:nvSpPr>
+        <p:spPr>
+          <a:xfrm>
+            <a:off x="5270810" y="2059184"/>
+            <a:ext cx="1650379" cy="307777"/>
+          </a:xfrm>
+          <a:prstGeom prst="rect">
+            <a:avLst/>
+          </a:prstGeom>
+          <a:noFill/>
+        </p:spPr>
+        <p:txBody>
+          <a:bodyPr wrap="square" rtlCol="0">
+            <a:spAutoFit/>
+          </a:bodyPr>
+          <a:lstStyle/>
+          <a:p>
+            <a:pPr algn="ctr"/>
+            <a:r>
+              <a:rPr lang="ko-KR" altLang="en-US" sz="1400" dirty="0">
+                <a:latin typeface="+mj-lt"/>
+              </a:rPr>
+              <a:t>공급자</a:t>
+            </a:r>
+            <a:endParaRPr lang="en-US" altLang="ko-KR" sz="1400" dirty="0">
+              <a:latin typeface="+mj-lt"/>
+            </a:endParaRPr>
+          </a:p>
+        </p:txBody>
+      </p:sp>
+      <p:sp>
+        <p:nvSpPr>
+          <p:cNvPr id="10" name="TextBox 9">
+            <a:extLst>
+              <a:ext uri="{FF2B5EF4-FFF2-40B4-BE49-F238E27FC236}">
+                <a16:creationId xmlns:a16="http://schemas.microsoft.com/office/drawing/2014/main" id="{6BEBC25F-4E96-43F8-B372-6C069FEF58FD}"/>
+              </a:ext>
+            </a:extLst>
+          </p:cNvPr>
+          <p:cNvSpPr txBox="1"/>
+          <p:nvPr/>
+        </p:nvSpPr>
+        <p:spPr>
+          <a:xfrm>
+            <a:off x="4572001" y="1397741"/>
+            <a:ext cx="3047996" cy="523220"/>
+          </a:xfrm>
+          <a:prstGeom prst="rect">
+            <a:avLst/>
+          </a:prstGeom>
+          <a:noFill/>
+        </p:spPr>
+        <p:txBody>
+          <a:bodyPr wrap="square" rtlCol="0">
+            <a:spAutoFit/>
+          </a:bodyPr>
+          <a:lstStyle/>
+          <a:p>
+            <a:pPr marL="342900" indent="-342900" algn="ctr">
+              <a:buAutoNum type="arabicPeriod"/>
+            </a:pPr>
+            <a:r>
+              <a:rPr lang="ko-KR" altLang="en-US" sz="1400" dirty="0">
+                <a:latin typeface="+mj-lt"/>
+              </a:rPr>
+              <a:t>후원</a:t>
+            </a:r>
+            <a:r>
+              <a:rPr lang="en-US" altLang="ko-KR" sz="1400" dirty="0">
+                <a:latin typeface="+mj-lt"/>
+              </a:rPr>
+              <a:t>(</a:t>
+            </a:r>
+            <a:r>
+              <a:rPr lang="ko-KR" altLang="en-US" sz="1400" dirty="0">
+                <a:latin typeface="+mj-lt"/>
+              </a:rPr>
+              <a:t>펀딩</a:t>
+            </a:r>
+            <a:r>
+              <a:rPr lang="en-US" altLang="ko-KR" sz="1400" dirty="0">
+                <a:latin typeface="+mj-lt"/>
+              </a:rPr>
+              <a:t>) </a:t>
+            </a:r>
+            <a:r>
+              <a:rPr lang="ko-KR" altLang="en-US" sz="1400" dirty="0">
+                <a:latin typeface="+mj-lt"/>
+              </a:rPr>
+              <a:t>주체기관 </a:t>
+            </a:r>
+            <a:r>
+              <a:rPr lang="en-US" altLang="ko-KR" sz="1400" dirty="0">
+                <a:latin typeface="+mj-lt"/>
+              </a:rPr>
+              <a:t>/ </a:t>
+            </a:r>
+            <a:r>
+              <a:rPr lang="ko-KR" altLang="en-US" sz="1400" dirty="0">
+                <a:latin typeface="+mj-lt"/>
+              </a:rPr>
+              <a:t>단체</a:t>
+            </a:r>
+            <a:endParaRPr lang="en-US" altLang="ko-KR" sz="1400" dirty="0">
+              <a:latin typeface="+mj-lt"/>
+            </a:endParaRPr>
+          </a:p>
+          <a:p>
+            <a:pPr marL="342900" indent="-342900" algn="ctr">
+              <a:buFontTx/>
+              <a:buAutoNum type="arabicPeriod"/>
+            </a:pPr>
+            <a:r>
+              <a:rPr lang="ko-KR" altLang="en-US" sz="1400" dirty="0"/>
+              <a:t>투자 기업 </a:t>
+            </a:r>
+            <a:r>
+              <a:rPr lang="en-US" altLang="ko-KR" sz="1400" dirty="0"/>
+              <a:t>/ </a:t>
+            </a:r>
+            <a:r>
+              <a:rPr lang="ko-KR" altLang="en-US" sz="1400" dirty="0"/>
+              <a:t>단체 </a:t>
+            </a:r>
+            <a:r>
+              <a:rPr lang="en-US" altLang="ko-KR" sz="1400" dirty="0"/>
+              <a:t>/ </a:t>
+            </a:r>
+            <a:r>
+              <a:rPr lang="ko-KR" altLang="en-US" sz="1400" dirty="0"/>
+              <a:t>개인</a:t>
+            </a:r>
+            <a:endParaRPr lang="en-US" altLang="ko-KR" sz="1400" dirty="0"/>
+          </a:p>
+        </p:txBody>
+      </p:sp>
+      <p:sp>
+        <p:nvSpPr>
+          <p:cNvPr id="11" name="TextBox 10">
+            <a:extLst>
+              <a:ext uri="{FF2B5EF4-FFF2-40B4-BE49-F238E27FC236}">
+                <a16:creationId xmlns:a16="http://schemas.microsoft.com/office/drawing/2014/main" id="{06F77D6E-42CF-4211-8DA1-4F4EA3515AF2}"/>
+              </a:ext>
+            </a:extLst>
+          </p:cNvPr>
+          <p:cNvSpPr txBox="1"/>
+          <p:nvPr/>
+        </p:nvSpPr>
+        <p:spPr>
+          <a:xfrm>
+            <a:off x="4572001" y="4937036"/>
+            <a:ext cx="3047996" cy="523220"/>
+          </a:xfrm>
+          <a:prstGeom prst="rect">
+            <a:avLst/>
+          </a:prstGeom>
+          <a:noFill/>
+        </p:spPr>
+        <p:txBody>
+          <a:bodyPr wrap="square" rtlCol="0">
+            <a:spAutoFit/>
+          </a:bodyPr>
+          <a:lstStyle/>
+          <a:p>
+            <a:pPr marL="342900" indent="-342900" algn="ctr">
+              <a:buAutoNum type="arabicPeriod"/>
+            </a:pPr>
+            <a:r>
+              <a:rPr lang="ko-KR" altLang="en-US" sz="1400" dirty="0">
+                <a:latin typeface="+mj-lt"/>
+              </a:rPr>
+              <a:t>사용층 조사</a:t>
+            </a:r>
+            <a:endParaRPr lang="en-US" altLang="ko-KR" sz="1400" dirty="0">
+              <a:latin typeface="+mj-lt"/>
+            </a:endParaRPr>
+          </a:p>
+          <a:p>
+            <a:pPr marL="342900" indent="-342900" algn="ctr">
+              <a:buAutoNum type="arabicPeriod"/>
+            </a:pPr>
+            <a:r>
+              <a:rPr lang="ko-KR" altLang="en-US" sz="1400" dirty="0">
+                <a:latin typeface="+mj-lt"/>
+              </a:rPr>
+              <a:t>타겟팅</a:t>
+            </a:r>
+            <a:endParaRPr lang="en-US" altLang="ko-KR" sz="1400" dirty="0">
+              <a:latin typeface="+mj-lt"/>
+            </a:endParaRPr>
+          </a:p>
+        </p:txBody>
+      </p:sp>
+      <p:sp>
+        <p:nvSpPr>
+          <p:cNvPr id="12" name="TextBox 11">
+            <a:extLst>
+              <a:ext uri="{FF2B5EF4-FFF2-40B4-BE49-F238E27FC236}">
+                <a16:creationId xmlns:a16="http://schemas.microsoft.com/office/drawing/2014/main" id="{39E40B4F-5948-475D-BC55-A31D7FA411A5}"/>
+              </a:ext>
+            </a:extLst>
+          </p:cNvPr>
+          <p:cNvSpPr txBox="1"/>
+          <p:nvPr/>
+        </p:nvSpPr>
+        <p:spPr>
+          <a:xfrm>
+            <a:off x="1381129" y="3775351"/>
+            <a:ext cx="3047996" cy="307777"/>
+          </a:xfrm>
+          <a:prstGeom prst="rect">
+            <a:avLst/>
+          </a:prstGeom>
+          <a:noFill/>
+        </p:spPr>
+        <p:txBody>
+          <a:bodyPr wrap="square" rtlCol="0">
+            <a:spAutoFit/>
+          </a:bodyPr>
+          <a:lstStyle/>
+          <a:p>
+            <a:pPr algn="ctr"/>
+            <a:r>
+              <a:rPr lang="ko-KR" altLang="en-US" sz="1400" dirty="0">
+                <a:latin typeface="+mj-lt"/>
+              </a:rPr>
+              <a:t>우리 서비스</a:t>
+            </a:r>
+            <a:endParaRPr lang="en-US" altLang="ko-KR" sz="1400" dirty="0">
+              <a:latin typeface="+mj-lt"/>
+            </a:endParaRPr>
+          </a:p>
+        </p:txBody>
+      </p:sp>
+      <p:sp>
+        <p:nvSpPr>
+          <p:cNvPr id="13" name="TextBox 12">
+            <a:extLst>
+              <a:ext uri="{FF2B5EF4-FFF2-40B4-BE49-F238E27FC236}">
+                <a16:creationId xmlns:a16="http://schemas.microsoft.com/office/drawing/2014/main" id="{3B220C3B-E1C6-400A-B099-B963B293733C}"/>
+              </a:ext>
+            </a:extLst>
+          </p:cNvPr>
+          <p:cNvSpPr txBox="1"/>
+          <p:nvPr/>
+        </p:nvSpPr>
+        <p:spPr>
+          <a:xfrm>
+            <a:off x="7370084" y="4061637"/>
+            <a:ext cx="3047996" cy="523220"/>
+          </a:xfrm>
+          <a:prstGeom prst="rect">
+            <a:avLst/>
+          </a:prstGeom>
+          <a:noFill/>
+        </p:spPr>
+        <p:txBody>
+          <a:bodyPr wrap="square" rtlCol="0">
+            <a:spAutoFit/>
+          </a:bodyPr>
+          <a:lstStyle/>
+          <a:p>
+            <a:pPr marL="342900" indent="-342900" algn="ctr">
+              <a:buAutoNum type="arabicPeriod"/>
+            </a:pPr>
+            <a:r>
+              <a:rPr lang="ko-KR" altLang="en-US" sz="1400" dirty="0">
+                <a:latin typeface="+mj-lt"/>
+              </a:rPr>
+              <a:t>시장 조사</a:t>
+            </a:r>
+            <a:endParaRPr lang="en-US" altLang="ko-KR" sz="1400" dirty="0">
+              <a:latin typeface="+mj-lt"/>
+            </a:endParaRPr>
+          </a:p>
+          <a:p>
+            <a:pPr marL="342900" indent="-342900" algn="ctr">
+              <a:buAutoNum type="arabicPeriod"/>
+            </a:pPr>
+            <a:r>
+              <a:rPr lang="ko-KR" altLang="en-US" sz="1400" dirty="0">
+                <a:latin typeface="+mj-lt"/>
+              </a:rPr>
+              <a:t>경쟁업체 조사</a:t>
+            </a:r>
+            <a:endParaRPr lang="en-US" altLang="ko-KR" sz="1400" dirty="0">
+              <a:latin typeface="+mj-lt"/>
+            </a:endParaRPr>
+          </a:p>
+        </p:txBody>
+      </p:sp>
+      <p:sp>
+        <p:nvSpPr>
+          <p:cNvPr id="4" name="직사각형 3">
+            <a:extLst>
+              <a:ext uri="{FF2B5EF4-FFF2-40B4-BE49-F238E27FC236}">
+                <a16:creationId xmlns:a16="http://schemas.microsoft.com/office/drawing/2014/main" id="{D9E7E91D-32FA-4DE0-9032-EDC2955917B5}"/>
+              </a:ext>
+            </a:extLst>
+          </p:cNvPr>
+          <p:cNvSpPr/>
+          <p:nvPr/>
+        </p:nvSpPr>
+        <p:spPr>
+          <a:xfrm>
+            <a:off x="5598703" y="2855129"/>
+            <a:ext cx="4092203" cy="1068285"/>
+          </a:xfrm>
+          <a:prstGeom prst="rect">
+            <a:avLst/>
+          </a:prstGeom>
+          <a:noFill/>
+          <a:ln w="19050">
+            <a:solidFill>
+              <a:srgbClr val="FF0000"/>
+            </a:solidFill>
+          </a:ln>
+        </p:spPr>
+        <p:style>
+          <a:lnRef idx="2">
+            <a:schemeClr val="accent1">
+              <a:shade val="50000"/>
+            </a:schemeClr>
+          </a:lnRef>
+          <a:fillRef idx="1">
+            <a:schemeClr val="accent1"/>
+          </a:fillRef>
+          <a:effectRef idx="0">
+            <a:schemeClr val="accent1"/>
+          </a:effectRef>
+          <a:fontRef idx="minor">
+            <a:schemeClr val="lt1"/>
+          </a:fontRef>
+        </p:style>
+        <p:txBody>
+          <a:bodyPr rtlCol="0" anchor="ctr"/>
+          <a:lstStyle/>
+          <a:p>
+            <a:pPr algn="ctr"/>
+            <a:endParaRPr lang="ko-KR" altLang="en-US"/>
+          </a:p>
+        </p:txBody>
+      </p:sp>
+      <p:sp>
+        <p:nvSpPr>
+          <p:cNvPr id="15" name="직사각형 14">
+            <a:extLst>
+              <a:ext uri="{FF2B5EF4-FFF2-40B4-BE49-F238E27FC236}">
+                <a16:creationId xmlns:a16="http://schemas.microsoft.com/office/drawing/2014/main" id="{8A022045-7ADB-4DB2-A9A6-9F360A469AB2}"/>
+              </a:ext>
+            </a:extLst>
+          </p:cNvPr>
+          <p:cNvSpPr/>
+          <p:nvPr/>
+        </p:nvSpPr>
+        <p:spPr>
+          <a:xfrm>
+            <a:off x="5109598" y="4045036"/>
+            <a:ext cx="2099274" cy="753777"/>
+          </a:xfrm>
+          <a:prstGeom prst="rect">
+            <a:avLst/>
+          </a:prstGeom>
+          <a:noFill/>
+          <a:ln w="19050">
+            <a:solidFill>
+              <a:srgbClr val="FF0000"/>
+            </a:solidFill>
+          </a:ln>
+        </p:spPr>
+        <p:style>
+          <a:lnRef idx="2">
+            <a:schemeClr val="accent1">
+              <a:shade val="50000"/>
+            </a:schemeClr>
+          </a:lnRef>
+          <a:fillRef idx="1">
+            <a:schemeClr val="accent1"/>
+          </a:fillRef>
+          <a:effectRef idx="0">
+            <a:schemeClr val="accent1"/>
+          </a:effectRef>
+          <a:fontRef idx="minor">
+            <a:schemeClr val="lt1"/>
+          </a:fontRef>
+        </p:style>
+        <p:txBody>
+          <a:bodyPr rtlCol="0" anchor="ctr"/>
+          <a:lstStyle/>
+          <a:p>
+            <a:pPr algn="ctr"/>
+            <a:endParaRPr lang="ko-KR" altLang="en-US"/>
+          </a:p>
+        </p:txBody>
+      </p:sp>
+      <p:sp>
+        <p:nvSpPr>
+          <p:cNvPr id="17" name="직사각형 16">
+            <a:extLst>
+              <a:ext uri="{FF2B5EF4-FFF2-40B4-BE49-F238E27FC236}">
+                <a16:creationId xmlns:a16="http://schemas.microsoft.com/office/drawing/2014/main" id="{CE7C7A73-DE54-4183-924F-B57456A00854}"/>
+              </a:ext>
+            </a:extLst>
+          </p:cNvPr>
+          <p:cNvSpPr/>
+          <p:nvPr/>
+        </p:nvSpPr>
+        <p:spPr>
+          <a:xfrm>
+            <a:off x="2501093" y="3082649"/>
+            <a:ext cx="3015548" cy="646331"/>
+          </a:xfrm>
+          <a:prstGeom prst="rect">
+            <a:avLst/>
+          </a:prstGeom>
+          <a:noFill/>
+          <a:ln w="19050">
+            <a:solidFill>
+              <a:srgbClr val="0070C0"/>
+            </a:solidFill>
+          </a:ln>
+        </p:spPr>
+        <p:style>
+          <a:lnRef idx="2">
+            <a:schemeClr val="accent1">
+              <a:shade val="50000"/>
+            </a:schemeClr>
+          </a:lnRef>
+          <a:fillRef idx="1">
+            <a:schemeClr val="accent1"/>
+          </a:fillRef>
+          <a:effectRef idx="0">
+            <a:schemeClr val="accent1"/>
+          </a:effectRef>
+          <a:fontRef idx="minor">
+            <a:schemeClr val="lt1"/>
+          </a:fontRef>
+        </p:style>
+        <p:txBody>
+          <a:bodyPr rtlCol="0" anchor="ctr"/>
+          <a:lstStyle/>
+          <a:p>
+            <a:pPr algn="ctr"/>
+            <a:endParaRPr lang="ko-KR" altLang="en-US"/>
+          </a:p>
+        </p:txBody>
+      </p:sp>
+      <p:sp>
+        <p:nvSpPr>
+          <p:cNvPr id="18" name="직사각형 17">
+            <a:extLst>
+              <a:ext uri="{FF2B5EF4-FFF2-40B4-BE49-F238E27FC236}">
+                <a16:creationId xmlns:a16="http://schemas.microsoft.com/office/drawing/2014/main" id="{128136BE-ADD2-470C-AC49-60876F6CF7AD}"/>
+              </a:ext>
+            </a:extLst>
+          </p:cNvPr>
+          <p:cNvSpPr/>
+          <p:nvPr/>
+        </p:nvSpPr>
+        <p:spPr>
+          <a:xfrm>
+            <a:off x="4667694" y="1231121"/>
+            <a:ext cx="2805872" cy="1485785"/>
+          </a:xfrm>
+          <a:prstGeom prst="rect">
+            <a:avLst/>
+          </a:prstGeom>
+          <a:noFill/>
+          <a:ln w="19050">
+            <a:solidFill>
+              <a:srgbClr val="FF0000"/>
+            </a:solidFill>
+          </a:ln>
+        </p:spPr>
+        <p:style>
+          <a:lnRef idx="2">
+            <a:schemeClr val="accent1">
+              <a:shade val="50000"/>
+            </a:schemeClr>
+          </a:lnRef>
+          <a:fillRef idx="1">
+            <a:schemeClr val="accent1"/>
+          </a:fillRef>
+          <a:effectRef idx="0">
+            <a:schemeClr val="accent1"/>
+          </a:effectRef>
+          <a:fontRef idx="minor">
+            <a:schemeClr val="lt1"/>
+          </a:fontRef>
+        </p:style>
+        <p:txBody>
+          <a:bodyPr rtlCol="0" anchor="ctr"/>
+          <a:lstStyle/>
+          <a:p>
+            <a:pPr algn="ctr"/>
+            <a:endParaRPr lang="ko-KR" altLang="en-US"/>
+          </a:p>
+        </p:txBody>
+      </p:sp>
+      <p:sp>
+        <p:nvSpPr>
+          <p:cNvPr id="19" name="TextBox 18">
+            <a:extLst>
+              <a:ext uri="{FF2B5EF4-FFF2-40B4-BE49-F238E27FC236}">
+                <a16:creationId xmlns:a16="http://schemas.microsoft.com/office/drawing/2014/main" id="{B6281DFA-70B0-4F06-AD9C-C1FFCD5F75A1}"/>
+              </a:ext>
+            </a:extLst>
+          </p:cNvPr>
+          <p:cNvSpPr txBox="1"/>
+          <p:nvPr/>
+        </p:nvSpPr>
+        <p:spPr>
+          <a:xfrm>
+            <a:off x="8326428" y="1059340"/>
+            <a:ext cx="3086101" cy="1015663"/>
+          </a:xfrm>
+          <a:prstGeom prst="rect">
+            <a:avLst/>
+          </a:prstGeom>
+          <a:noFill/>
+        </p:spPr>
+        <p:txBody>
+          <a:bodyPr wrap="none" rtlCol="0">
+            <a:spAutoFit/>
+          </a:bodyPr>
+          <a:lstStyle/>
+          <a:p>
+            <a:pPr marL="228600" indent="-228600">
+              <a:buAutoNum type="arabicPeriod"/>
+            </a:pPr>
+            <a:r>
+              <a:rPr lang="ko-KR" altLang="en-US" sz="1200" b="1" dirty="0">
+                <a:latin typeface="+mj-lt"/>
+              </a:rPr>
+              <a:t>우리가 신규 경쟁자</a:t>
+            </a:r>
+            <a:endParaRPr lang="en-US" altLang="ko-KR" sz="1200" b="1" dirty="0">
+              <a:latin typeface="+mj-lt"/>
+            </a:endParaRPr>
+          </a:p>
+          <a:p>
+            <a:pPr marL="228600" indent="-228600">
+              <a:buAutoNum type="arabicPeriod"/>
+            </a:pPr>
+            <a:r>
+              <a:rPr lang="ko-KR" altLang="en-US" sz="1200" b="1" dirty="0">
+                <a:latin typeface="+mj-lt"/>
+              </a:rPr>
+              <a:t>나머지 부분을 </a:t>
+            </a:r>
+            <a:r>
+              <a:rPr lang="en-US" altLang="ko-KR" sz="1200" b="1" dirty="0">
+                <a:latin typeface="+mj-lt"/>
+              </a:rPr>
+              <a:t>3</a:t>
+            </a:r>
+            <a:r>
+              <a:rPr lang="ko-KR" altLang="en-US" sz="1200" b="1" dirty="0">
+                <a:latin typeface="+mj-lt"/>
+              </a:rPr>
+              <a:t>분할 하여 조사를 진행</a:t>
+            </a:r>
+            <a:endParaRPr lang="en-US" altLang="ko-KR" sz="1200" b="1" dirty="0">
+              <a:latin typeface="+mj-lt"/>
+            </a:endParaRPr>
+          </a:p>
+          <a:p>
+            <a:pPr marL="685800" lvl="1" indent="-228600">
+              <a:buAutoNum type="arabicPeriod"/>
+            </a:pPr>
+            <a:r>
+              <a:rPr lang="ko-KR" altLang="en-US" sz="1200" b="1" dirty="0"/>
+              <a:t>대체재 </a:t>
+            </a:r>
+            <a:r>
+              <a:rPr lang="en-US" altLang="ko-KR" sz="1200" b="1" dirty="0"/>
+              <a:t>( </a:t>
+            </a:r>
+            <a:r>
+              <a:rPr lang="ko-KR" altLang="en-US" sz="1200" b="1" dirty="0"/>
+              <a:t>시장</a:t>
+            </a:r>
+            <a:r>
+              <a:rPr lang="en-US" altLang="ko-KR" sz="1200" b="1" dirty="0"/>
+              <a:t>, </a:t>
+            </a:r>
+            <a:r>
+              <a:rPr lang="ko-KR" altLang="en-US" sz="1200" b="1" dirty="0"/>
+              <a:t>경쟁업체 포함 </a:t>
+            </a:r>
+            <a:r>
+              <a:rPr lang="en-US" altLang="ko-KR" sz="1200" b="1" dirty="0"/>
+              <a:t>)</a:t>
+            </a:r>
+          </a:p>
+          <a:p>
+            <a:pPr marL="685800" lvl="1" indent="-228600">
+              <a:buAutoNum type="arabicPeriod"/>
+            </a:pPr>
+            <a:r>
+              <a:rPr lang="ko-KR" altLang="en-US" sz="1200" b="1" dirty="0">
+                <a:latin typeface="+mj-lt"/>
+              </a:rPr>
+              <a:t>고객 </a:t>
+            </a:r>
+            <a:r>
+              <a:rPr lang="en-US" altLang="ko-KR" sz="1200" b="1" dirty="0">
+                <a:latin typeface="+mj-lt"/>
+              </a:rPr>
+              <a:t>/ </a:t>
+            </a:r>
+            <a:r>
+              <a:rPr lang="ko-KR" altLang="en-US" sz="1200" b="1" dirty="0">
+                <a:latin typeface="+mj-lt"/>
+              </a:rPr>
+              <a:t>사용자</a:t>
+            </a:r>
+            <a:endParaRPr lang="en-US" altLang="ko-KR" sz="1200" b="1" dirty="0">
+              <a:latin typeface="+mj-lt"/>
+            </a:endParaRPr>
+          </a:p>
+          <a:p>
+            <a:pPr marL="685800" lvl="1" indent="-228600">
+              <a:buAutoNum type="arabicPeriod"/>
+            </a:pPr>
+            <a:r>
+              <a:rPr lang="ko-KR" altLang="en-US" sz="1200" b="1" dirty="0">
+                <a:latin typeface="+mj-lt"/>
+              </a:rPr>
+              <a:t>공급자</a:t>
+            </a:r>
+            <a:endParaRPr lang="en-US" altLang="ko-KR" sz="1200" b="1" dirty="0">
+              <a:latin typeface="+mj-lt"/>
+            </a:endParaRPr>
+          </a:p>
+        </p:txBody>
+      </p:sp>
+    </p:spTree>
+    <p:extLst>
+      <p:ext uri="{BB962C8B-B14F-4D97-AF65-F5344CB8AC3E}">
+        <p14:creationId xmlns:p14="http://schemas.microsoft.com/office/powerpoint/2010/main" val="3066987871"/>
+      </p:ext>
+    </p:extLst>
+  </p:cSld>
+  <p:clrMapOvr>
+    <a:masterClrMapping/>
+  </p:clrMapOvr>
+</p:sld>
+</file>
+
+<file path=ppt/slides/slide2.xml><?xml version="1.0" encoding="utf-8"?>
+<p:sld xmlns:a="http://schemas.openxmlformats.org/drawingml/2006/main" xmlns:r="http://schemas.openxmlformats.org/officeDocument/2006/relationships" xmlns:p="http://schemas.openxmlformats.org/presentationml/2006/main">
+  <p:cSld>
+    <p:spTree>
+      <p:nvGrpSpPr>
+        <p:cNvPr id="1" name=""/>
+        <p:cNvGrpSpPr/>
+        <p:nvPr/>
+      </p:nvGrpSpPr>
+      <p:grpSpPr>
+        <a:xfrm>
+          <a:off x="0" y="0"/>
+          <a:ext cx="0" cy="0"/>
+          <a:chOff x="0" y="0"/>
+          <a:chExt cx="0" cy="0"/>
+        </a:xfrm>
+      </p:grpSpPr>
+      <p:sp>
+        <p:nvSpPr>
+          <p:cNvPr id="4" name="TextBox 3">
+            <a:extLst>
+              <a:ext uri="{FF2B5EF4-FFF2-40B4-BE49-F238E27FC236}">
+                <a16:creationId xmlns:a16="http://schemas.microsoft.com/office/drawing/2014/main" id="{295E3873-38D8-40BD-B3F6-D56D8DC4372B}"/>
+              </a:ext>
+            </a:extLst>
+          </p:cNvPr>
+          <p:cNvSpPr txBox="1"/>
+          <p:nvPr/>
+        </p:nvSpPr>
+        <p:spPr>
+          <a:xfrm>
+            <a:off x="308344" y="446567"/>
+            <a:ext cx="3956532" cy="369332"/>
+          </a:xfrm>
+          <a:prstGeom prst="rect">
+            <a:avLst/>
+          </a:prstGeom>
+          <a:noFill/>
+        </p:spPr>
+        <p:txBody>
+          <a:bodyPr wrap="none" rtlCol="0">
+            <a:spAutoFit/>
+          </a:bodyPr>
+          <a:lstStyle/>
+          <a:p>
+            <a:r>
+              <a:rPr lang="en-US" altLang="ko-KR" dirty="0">
+                <a:latin typeface="+mj-lt"/>
+              </a:rPr>
               <a:t>1. </a:t>
             </a:r>
             <a:r>
-              <a:rPr lang="ko-KR" altLang="en-US" dirty="0"/>
-              <a:t>환경 </a:t>
-            </a:r>
-            <a:r>
-              <a:rPr lang="ko-KR" altLang="en-US"/>
-              <a:t>애플리케이션 시장</a:t>
-            </a:r>
-            <a:endParaRPr lang="ko-KR" altLang="en-US" dirty="0"/>
+              <a:rPr lang="ko-KR" altLang="en-US" dirty="0">
+                <a:latin typeface="+mj-lt"/>
+              </a:rPr>
+              <a:t>대체재</a:t>
+            </a:r>
+            <a:r>
+              <a:rPr lang="en-US" altLang="ko-KR" dirty="0">
+                <a:latin typeface="+mj-lt"/>
+              </a:rPr>
+              <a:t>: </a:t>
+            </a:r>
+            <a:r>
+              <a:rPr lang="ko-KR" altLang="en-US" dirty="0">
+                <a:latin typeface="+mj-lt"/>
+              </a:rPr>
+              <a:t>시장 조사</a:t>
+            </a:r>
+            <a:r>
+              <a:rPr lang="en-US" altLang="ko-KR" dirty="0">
+                <a:latin typeface="+mj-lt"/>
+              </a:rPr>
+              <a:t>: </a:t>
+            </a:r>
+            <a:r>
+              <a:rPr lang="ko-KR" altLang="en-US" dirty="0">
+                <a:latin typeface="+mj-lt"/>
+              </a:rPr>
+              <a:t>환경 관련 시장</a:t>
+            </a:r>
+          </a:p>
+        </p:txBody>
+      </p:sp>
+      <p:sp>
+        <p:nvSpPr>
+          <p:cNvPr id="2" name="직사각형 1">
+            <a:extLst>
+              <a:ext uri="{FF2B5EF4-FFF2-40B4-BE49-F238E27FC236}">
+                <a16:creationId xmlns:a16="http://schemas.microsoft.com/office/drawing/2014/main" id="{F52D0405-1739-407F-B1E6-61248C5C4644}"/>
+              </a:ext>
+            </a:extLst>
+          </p:cNvPr>
+          <p:cNvSpPr/>
+          <p:nvPr/>
+        </p:nvSpPr>
+        <p:spPr>
+          <a:xfrm>
+            <a:off x="7254949" y="6327961"/>
+            <a:ext cx="4937051" cy="430887"/>
+          </a:xfrm>
+          <a:prstGeom prst="rect">
+            <a:avLst/>
+          </a:prstGeom>
+        </p:spPr>
+        <p:txBody>
+          <a:bodyPr wrap="square">
+            <a:spAutoFit/>
+          </a:bodyPr>
+          <a:lstStyle/>
+          <a:p>
+            <a:r>
+              <a:rPr lang="en-US" altLang="ko-KR" sz="1100" dirty="0">
+                <a:latin typeface="+mj-lt"/>
+                <a:hlinkClick r:id="rId2"/>
+              </a:rPr>
+              <a:t>https://www.marketsandmarkets.com/Market-Reports/environmental-monitoring-market-216846315.html</a:t>
+            </a:r>
+            <a:endParaRPr lang="ko-KR" altLang="en-US" sz="1100" dirty="0">
+              <a:latin typeface="+mj-lt"/>
+            </a:endParaRPr>
+          </a:p>
+        </p:txBody>
+      </p:sp>
+      <p:sp>
+        <p:nvSpPr>
+          <p:cNvPr id="6" name="TextBox 5">
+            <a:extLst>
+              <a:ext uri="{FF2B5EF4-FFF2-40B4-BE49-F238E27FC236}">
+                <a16:creationId xmlns:a16="http://schemas.microsoft.com/office/drawing/2014/main" id="{A1C42BAC-83AC-4DA1-B320-4E79647760C1}"/>
+              </a:ext>
+            </a:extLst>
+          </p:cNvPr>
+          <p:cNvSpPr txBox="1"/>
+          <p:nvPr/>
+        </p:nvSpPr>
+        <p:spPr>
+          <a:xfrm>
+            <a:off x="1275907" y="1581645"/>
+            <a:ext cx="9640184" cy="2308324"/>
+          </a:xfrm>
+          <a:prstGeom prst="rect">
+            <a:avLst/>
+          </a:prstGeom>
+          <a:noFill/>
+        </p:spPr>
+        <p:txBody>
+          <a:bodyPr wrap="square" rtlCol="0">
+            <a:spAutoFit/>
+          </a:bodyPr>
+          <a:lstStyle/>
+          <a:p>
+            <a:pPr marL="342900" indent="-342900">
+              <a:buAutoNum type="arabicPeriod"/>
+            </a:pPr>
+            <a:r>
+              <a:rPr lang="ko-KR" altLang="en-US" sz="1200" dirty="0">
+                <a:latin typeface="+mj-lt"/>
+              </a:rPr>
+              <a:t>평균 연 성장률 </a:t>
+            </a:r>
+            <a:r>
+              <a:rPr lang="en-US" altLang="ko-KR" sz="1200" dirty="0">
+                <a:latin typeface="+mj-lt"/>
+              </a:rPr>
+              <a:t>4.1% </a:t>
+            </a:r>
+            <a:r>
+              <a:rPr lang="ko-KR" altLang="en-US" sz="1200" dirty="0">
+                <a:latin typeface="+mj-lt"/>
+              </a:rPr>
+              <a:t>예측</a:t>
+            </a:r>
+            <a:endParaRPr lang="en-US" altLang="ko-KR" sz="1200" dirty="0">
+              <a:latin typeface="+mj-lt"/>
+            </a:endParaRPr>
+          </a:p>
+          <a:p>
+            <a:pPr lvl="1"/>
+            <a:r>
+              <a:rPr lang="en-US" altLang="ko-KR" sz="1200" dirty="0">
+                <a:latin typeface="+mj-lt"/>
+              </a:rPr>
+              <a:t>-&gt; 140</a:t>
+            </a:r>
+            <a:r>
+              <a:rPr lang="ko-KR" altLang="en-US" sz="1200" dirty="0">
+                <a:latin typeface="+mj-lt"/>
+              </a:rPr>
+              <a:t>억 달러 규모 </a:t>
+            </a:r>
+            <a:r>
+              <a:rPr lang="en-US" altLang="ko-KR" sz="1200" dirty="0">
+                <a:latin typeface="+mj-lt"/>
+              </a:rPr>
+              <a:t>(2020) -&gt; 171</a:t>
+            </a:r>
+            <a:r>
+              <a:rPr lang="ko-KR" altLang="en-US" sz="1200" dirty="0">
+                <a:latin typeface="+mj-lt"/>
+              </a:rPr>
+              <a:t>억 달러 규모 </a:t>
+            </a:r>
+            <a:r>
+              <a:rPr lang="en-US" altLang="ko-KR" sz="1200" dirty="0">
+                <a:latin typeface="+mj-lt"/>
+              </a:rPr>
+              <a:t>(2025) </a:t>
+            </a:r>
+            <a:r>
+              <a:rPr lang="ko-KR" altLang="en-US" sz="1200" dirty="0">
+                <a:latin typeface="+mj-lt"/>
+              </a:rPr>
+              <a:t>로 예측</a:t>
+            </a:r>
+            <a:endParaRPr lang="en-US" altLang="ko-KR" sz="1200" dirty="0">
+              <a:latin typeface="+mj-lt"/>
+            </a:endParaRPr>
+          </a:p>
+          <a:p>
+            <a:pPr marL="342900" indent="-342900">
+              <a:buAutoNum type="arabicPeriod"/>
+            </a:pPr>
+            <a:r>
+              <a:rPr lang="ko-KR" altLang="en-US" sz="1200" dirty="0">
+                <a:latin typeface="+mj-lt"/>
+              </a:rPr>
+              <a:t>주 원인</a:t>
+            </a:r>
+            <a:endParaRPr lang="en-US" altLang="ko-KR" sz="1200" dirty="0">
+              <a:latin typeface="+mj-lt"/>
+            </a:endParaRPr>
+          </a:p>
+          <a:p>
+            <a:pPr marL="800100" lvl="1" indent="-342900">
+              <a:buAutoNum type="alphaLcPeriod"/>
+            </a:pPr>
+            <a:r>
+              <a:rPr lang="ko-KR" altLang="en-US" sz="1200" dirty="0">
+                <a:latin typeface="+mj-lt"/>
+              </a:rPr>
+              <a:t>인구 팽창</a:t>
+            </a:r>
+            <a:endParaRPr lang="en-US" altLang="ko-KR" sz="1200" dirty="0">
+              <a:latin typeface="+mj-lt"/>
+            </a:endParaRPr>
+          </a:p>
+          <a:p>
+            <a:pPr marL="800100" lvl="1" indent="-342900">
+              <a:buAutoNum type="alphaLcPeriod"/>
+            </a:pPr>
+            <a:r>
+              <a:rPr lang="ko-KR" altLang="en-US" sz="1200" dirty="0">
+                <a:latin typeface="+mj-lt"/>
+              </a:rPr>
+              <a:t>지속적인 환경 관측 기구의 확대 및 추가 설치 </a:t>
+            </a:r>
+            <a:r>
+              <a:rPr lang="en-US" altLang="ko-KR" sz="1200" dirty="0">
+                <a:latin typeface="+mj-lt"/>
+              </a:rPr>
+              <a:t>( ex; </a:t>
+            </a:r>
+            <a:r>
+              <a:rPr lang="ko-KR" altLang="en-US" sz="1200" dirty="0" err="1">
+                <a:latin typeface="+mj-lt"/>
+              </a:rPr>
+              <a:t>풍량</a:t>
+            </a:r>
+            <a:r>
+              <a:rPr lang="ko-KR" altLang="en-US" sz="1200" dirty="0">
+                <a:latin typeface="+mj-lt"/>
+              </a:rPr>
+              <a:t> 관측소</a:t>
+            </a:r>
+            <a:r>
+              <a:rPr lang="en-US" altLang="ko-KR" sz="1200" dirty="0">
+                <a:latin typeface="+mj-lt"/>
+              </a:rPr>
+              <a:t>, </a:t>
+            </a:r>
+            <a:r>
+              <a:rPr lang="ko-KR" altLang="en-US" sz="1200" dirty="0">
+                <a:latin typeface="+mj-lt"/>
+              </a:rPr>
+              <a:t>지진 관측소</a:t>
+            </a:r>
+            <a:r>
+              <a:rPr lang="en-US" altLang="ko-KR" sz="1200" dirty="0">
+                <a:latin typeface="+mj-lt"/>
+              </a:rPr>
+              <a:t>,</a:t>
+            </a:r>
+            <a:r>
+              <a:rPr lang="ko-KR" altLang="en-US" sz="1200" dirty="0">
+                <a:latin typeface="+mj-lt"/>
+              </a:rPr>
+              <a:t> 등</a:t>
+            </a:r>
+            <a:r>
+              <a:rPr lang="en-US" altLang="ko-KR" sz="1200" dirty="0">
+                <a:latin typeface="+mj-lt"/>
+              </a:rPr>
+              <a:t>)</a:t>
+            </a:r>
+          </a:p>
+          <a:p>
+            <a:pPr marL="800100" lvl="1" indent="-342900">
+              <a:buAutoNum type="alphaLcPeriod"/>
+            </a:pPr>
+            <a:r>
+              <a:rPr lang="ko-KR" altLang="en-US" sz="1200" dirty="0">
+                <a:latin typeface="+mj-lt"/>
+              </a:rPr>
+              <a:t>친환경 사업 개발</a:t>
+            </a:r>
+            <a:endParaRPr lang="en-US" altLang="ko-KR" sz="1200" dirty="0">
+              <a:latin typeface="+mj-lt"/>
+            </a:endParaRPr>
+          </a:p>
+          <a:p>
+            <a:pPr marL="800100" lvl="1" indent="-342900">
+              <a:buAutoNum type="alphaLcPeriod"/>
+            </a:pPr>
+            <a:r>
+              <a:rPr lang="ko-KR" altLang="en-US" sz="1200" dirty="0">
+                <a:latin typeface="+mj-lt"/>
+              </a:rPr>
+              <a:t>증가하는 인식</a:t>
+            </a:r>
+            <a:endParaRPr lang="en-US" altLang="ko-KR" sz="1200" dirty="0">
+              <a:latin typeface="+mj-lt"/>
+            </a:endParaRPr>
+          </a:p>
+          <a:p>
+            <a:pPr marL="800100" lvl="1" indent="-342900">
+              <a:buAutoNum type="alphaLcPeriod"/>
+            </a:pPr>
+            <a:r>
+              <a:rPr lang="ko-KR" altLang="en-US" sz="1200" dirty="0">
+                <a:latin typeface="+mj-lt"/>
+              </a:rPr>
+              <a:t>공업으로 인한 환경오염</a:t>
+            </a:r>
+            <a:r>
+              <a:rPr lang="en-US" altLang="ko-KR" sz="1200" dirty="0">
+                <a:latin typeface="+mj-lt"/>
+              </a:rPr>
+              <a:t> </a:t>
+            </a:r>
+          </a:p>
+          <a:p>
+            <a:pPr marL="342900" indent="-342900">
+              <a:buAutoNum type="arabicPeriod"/>
+            </a:pPr>
+            <a:r>
+              <a:rPr lang="ko-KR" altLang="en-US" sz="1200" dirty="0">
+                <a:latin typeface="+mj-lt"/>
+              </a:rPr>
+              <a:t>포인트</a:t>
+            </a:r>
+            <a:endParaRPr lang="en-US" altLang="ko-KR" sz="1200" dirty="0">
+              <a:latin typeface="+mj-lt"/>
+            </a:endParaRPr>
+          </a:p>
+          <a:p>
+            <a:pPr marL="800100" lvl="1" indent="-342900">
+              <a:buAutoNum type="arabicPeriod"/>
+            </a:pPr>
+            <a:r>
+              <a:rPr lang="ko-KR" altLang="en-US" sz="1200" dirty="0">
+                <a:latin typeface="+mj-lt"/>
+              </a:rPr>
+              <a:t>코로나 여파로 인한 경기 침체 </a:t>
+            </a:r>
+            <a:r>
+              <a:rPr lang="en-US" altLang="ko-KR" sz="1200" dirty="0">
+                <a:latin typeface="+mj-lt"/>
+              </a:rPr>
+              <a:t>-&gt; </a:t>
+            </a:r>
+            <a:r>
+              <a:rPr lang="ko-KR" altLang="en-US" sz="1200" dirty="0">
+                <a:latin typeface="+mj-lt"/>
+              </a:rPr>
+              <a:t>시장 성장에 제동</a:t>
+            </a:r>
+            <a:endParaRPr lang="en-US" altLang="ko-KR" sz="1200" dirty="0">
+              <a:latin typeface="+mj-lt"/>
+            </a:endParaRPr>
+          </a:p>
+          <a:p>
+            <a:pPr marL="342900" indent="-342900">
+              <a:buAutoNum type="arabicPeriod"/>
+            </a:pPr>
+            <a:r>
+              <a:rPr lang="ko-KR" altLang="en-US" sz="1200" dirty="0">
+                <a:latin typeface="+mj-lt"/>
+              </a:rPr>
+              <a:t>결론</a:t>
+            </a:r>
+            <a:endParaRPr lang="en-US" altLang="ko-KR" sz="1200" dirty="0">
+              <a:latin typeface="+mj-lt"/>
+            </a:endParaRPr>
+          </a:p>
+          <a:p>
+            <a:pPr marL="800100" lvl="1" indent="-342900">
+              <a:buAutoNum type="arabicPeriod"/>
+            </a:pPr>
+            <a:r>
+              <a:rPr lang="ko-KR" altLang="en-US" sz="1200" dirty="0">
+                <a:latin typeface="+mj-lt"/>
+              </a:rPr>
+              <a:t>장기적으로 볼 때</a:t>
+            </a:r>
+            <a:r>
+              <a:rPr lang="en-US" altLang="ko-KR" sz="1200" dirty="0">
+                <a:latin typeface="+mj-lt"/>
+              </a:rPr>
+              <a:t>, </a:t>
+            </a:r>
+            <a:r>
+              <a:rPr lang="ko-KR" altLang="en-US" sz="1200" dirty="0">
+                <a:latin typeface="+mj-lt"/>
+              </a:rPr>
+              <a:t>성장 잠재력이 충분할 것으로 예상</a:t>
+            </a:r>
+            <a:endParaRPr lang="en-US" altLang="ko-KR" sz="1200" dirty="0">
+              <a:latin typeface="+mj-lt"/>
+            </a:endParaRPr>
+          </a:p>
+        </p:txBody>
+      </p:sp>
+      <p:pic>
+        <p:nvPicPr>
+          <p:cNvPr id="1026" name="Picture 2" descr="Environmental Monitoring Market ">
+            <a:extLst>
+              <a:ext uri="{FF2B5EF4-FFF2-40B4-BE49-F238E27FC236}">
+                <a16:creationId xmlns:a16="http://schemas.microsoft.com/office/drawing/2014/main" id="{5A5164C1-7129-454F-8D35-AE163C0C3D11}"/>
+              </a:ext>
+            </a:extLst>
+          </p:cNvPr>
+          <p:cNvPicPr>
+            <a:picLocks noChangeAspect="1" noChangeArrowheads="1"/>
+          </p:cNvPicPr>
+          <p:nvPr/>
+        </p:nvPicPr>
+        <p:blipFill>
+          <a:blip r:embed="rId3">
+            <a:extLst>
+              <a:ext uri="{28A0092B-C50C-407E-A947-70E740481C1C}">
+                <a14:useLocalDpi xmlns:a14="http://schemas.microsoft.com/office/drawing/2010/main" val="0"/>
+              </a:ext>
+            </a:extLst>
+          </a:blip>
+          <a:srcRect/>
+          <a:stretch>
+            <a:fillRect/>
+          </a:stretch>
+        </p:blipFill>
+        <p:spPr bwMode="auto">
+          <a:xfrm>
+            <a:off x="308344" y="4078577"/>
+            <a:ext cx="4578534" cy="2563979"/>
+          </a:xfrm>
+          <a:prstGeom prst="rect">
+            <a:avLst/>
+          </a:prstGeom>
+          <a:noFill/>
+          <a:extLst>
+            <a:ext uri="{909E8E84-426E-40DD-AFC4-6F175D3DCCD1}">
+              <a14:hiddenFill xmlns:a14="http://schemas.microsoft.com/office/drawing/2010/main">
+                <a:solidFill>
+                  <a:srgbClr val="FFFFFF"/>
+                </a:solidFill>
+              </a14:hiddenFill>
+            </a:ext>
+          </a:extLst>
+        </p:spPr>
+      </p:pic>
+      <p:sp>
+        <p:nvSpPr>
+          <p:cNvPr id="3" name="TextBox 2">
+            <a:extLst>
+              <a:ext uri="{FF2B5EF4-FFF2-40B4-BE49-F238E27FC236}">
+                <a16:creationId xmlns:a16="http://schemas.microsoft.com/office/drawing/2014/main" id="{E08F3F8C-2EBB-413E-B2CB-58AAD8D0F450}"/>
+              </a:ext>
+            </a:extLst>
+          </p:cNvPr>
+          <p:cNvSpPr txBox="1"/>
+          <p:nvPr/>
+        </p:nvSpPr>
+        <p:spPr>
+          <a:xfrm>
+            <a:off x="6732887" y="5755137"/>
+            <a:ext cx="5150769" cy="461665"/>
+          </a:xfrm>
+          <a:prstGeom prst="rect">
+            <a:avLst/>
+          </a:prstGeom>
+          <a:noFill/>
+        </p:spPr>
+        <p:txBody>
+          <a:bodyPr wrap="none" rtlCol="0">
+            <a:spAutoFit/>
+          </a:bodyPr>
+          <a:lstStyle/>
+          <a:p>
+            <a:r>
+              <a:rPr lang="en-US" altLang="ko-KR" sz="1200" b="1" dirty="0">
+                <a:latin typeface="+mj-lt"/>
+              </a:rPr>
+              <a:t>Report </a:t>
+            </a:r>
+            <a:r>
+              <a:rPr lang="ko-KR" altLang="en-US" sz="1200" b="1" dirty="0">
+                <a:latin typeface="+mj-lt"/>
+              </a:rPr>
+              <a:t>다 훑어봤는데 사실상 현 시기가 진입하기 좋은 시기는 아닌 듯</a:t>
+            </a:r>
+            <a:endParaRPr lang="en-US" altLang="ko-KR" sz="1200" b="1" dirty="0">
+              <a:latin typeface="+mj-lt"/>
+            </a:endParaRPr>
+          </a:p>
+          <a:p>
+            <a:r>
+              <a:rPr lang="ko-KR" altLang="en-US" sz="1200" b="1" dirty="0">
+                <a:latin typeface="+mj-lt"/>
+              </a:rPr>
+              <a:t>그니까 핵심을 </a:t>
+            </a:r>
+            <a:r>
+              <a:rPr lang="en-US" altLang="ko-KR" sz="1200" b="1" dirty="0">
+                <a:latin typeface="+mj-lt"/>
+              </a:rPr>
+              <a:t>“</a:t>
+            </a:r>
+            <a:r>
+              <a:rPr lang="ko-KR" altLang="en-US" sz="1200" b="1" dirty="0">
+                <a:solidFill>
+                  <a:srgbClr val="FF0000"/>
+                </a:solidFill>
+                <a:latin typeface="+mj-lt"/>
+              </a:rPr>
+              <a:t>장기적으로 볼 때 성장 잠재력이 높다</a:t>
+            </a:r>
+            <a:r>
+              <a:rPr lang="ko-KR" altLang="en-US" sz="1200" b="1" dirty="0">
+                <a:latin typeface="+mj-lt"/>
+              </a:rPr>
+              <a:t>＂ 에 맞춰야 할 듯</a:t>
+            </a:r>
+          </a:p>
+        </p:txBody>
+      </p:sp>
+      <p:sp>
+        <p:nvSpPr>
+          <p:cNvPr id="8" name="TextBox 7">
+            <a:extLst>
+              <a:ext uri="{FF2B5EF4-FFF2-40B4-BE49-F238E27FC236}">
+                <a16:creationId xmlns:a16="http://schemas.microsoft.com/office/drawing/2014/main" id="{27D431BF-58C3-436B-AF96-8C403F60F0AB}"/>
+              </a:ext>
+            </a:extLst>
+          </p:cNvPr>
+          <p:cNvSpPr txBox="1"/>
+          <p:nvPr/>
+        </p:nvSpPr>
+        <p:spPr>
+          <a:xfrm>
+            <a:off x="734475" y="937162"/>
+            <a:ext cx="10723047" cy="523220"/>
+          </a:xfrm>
+          <a:prstGeom prst="rect">
+            <a:avLst/>
+          </a:prstGeom>
+          <a:noFill/>
+        </p:spPr>
+        <p:txBody>
+          <a:bodyPr wrap="square" rtlCol="0">
+            <a:spAutoFit/>
+          </a:bodyPr>
+          <a:lstStyle/>
+          <a:p>
+            <a:r>
+              <a:rPr lang="ko-KR" altLang="en-US" sz="1400" dirty="0">
+                <a:latin typeface="+mj-lt"/>
+              </a:rPr>
+              <a:t>환경 모니터링</a:t>
+            </a:r>
+            <a:r>
+              <a:rPr lang="en-US" altLang="ko-KR" sz="1400" dirty="0">
+                <a:latin typeface="+mj-lt"/>
+              </a:rPr>
+              <a:t>(</a:t>
+            </a:r>
+            <a:r>
+              <a:rPr lang="ko-KR" altLang="en-US" sz="1400" dirty="0">
+                <a:latin typeface="+mj-lt"/>
+              </a:rPr>
+              <a:t>감시 </a:t>
+            </a:r>
+            <a:r>
+              <a:rPr lang="en-US" altLang="ko-KR" sz="1400" dirty="0">
+                <a:latin typeface="+mj-lt"/>
+              </a:rPr>
+              <a:t>/ </a:t>
+            </a:r>
+            <a:r>
+              <a:rPr lang="ko-KR" altLang="en-US" sz="1400" dirty="0">
+                <a:latin typeface="+mj-lt"/>
+              </a:rPr>
+              <a:t>제어</a:t>
+            </a:r>
+            <a:r>
+              <a:rPr lang="en-US" altLang="ko-KR" sz="1400" dirty="0">
+                <a:latin typeface="+mj-lt"/>
+              </a:rPr>
+              <a:t> / </a:t>
+            </a:r>
+            <a:r>
+              <a:rPr lang="ko-KR" altLang="en-US" sz="1400" dirty="0">
+                <a:latin typeface="+mj-lt"/>
+              </a:rPr>
+              <a:t>관련</a:t>
+            </a:r>
+            <a:r>
+              <a:rPr lang="en-US" altLang="ko-KR" sz="1400" dirty="0">
+                <a:latin typeface="+mj-lt"/>
+              </a:rPr>
+              <a:t>)</a:t>
+            </a:r>
+            <a:r>
+              <a:rPr lang="ko-KR" altLang="en-US" sz="1400" dirty="0">
+                <a:latin typeface="+mj-lt"/>
+              </a:rPr>
+              <a:t> 시장 규모 </a:t>
+            </a:r>
+            <a:endParaRPr lang="en-US" altLang="ko-KR" sz="1400" dirty="0">
+              <a:latin typeface="+mj-lt"/>
+            </a:endParaRPr>
+          </a:p>
+          <a:p>
+            <a:r>
+              <a:rPr lang="en-US" altLang="ko-KR" sz="1400" dirty="0">
+                <a:latin typeface="+mj-lt"/>
+              </a:rPr>
+              <a:t> -</a:t>
+            </a:r>
+            <a:r>
+              <a:rPr lang="ko-KR" altLang="en-US" sz="1400" dirty="0">
+                <a:latin typeface="+mj-lt"/>
+              </a:rPr>
+              <a:t> </a:t>
+            </a:r>
+            <a:r>
+              <a:rPr lang="en-US" altLang="ko-KR" sz="1400" dirty="0">
+                <a:latin typeface="+mj-lt"/>
+              </a:rPr>
+              <a:t>by</a:t>
+            </a:r>
+            <a:r>
+              <a:rPr lang="ko-KR" altLang="en-US" sz="1400" dirty="0">
+                <a:latin typeface="+mj-lt"/>
+              </a:rPr>
+              <a:t> 마켓 앤 마켓</a:t>
+            </a:r>
+            <a:r>
+              <a:rPr lang="en-US" altLang="ko-KR" sz="1400" dirty="0">
+                <a:latin typeface="+mj-lt"/>
+              </a:rPr>
+              <a:t>: </a:t>
+            </a:r>
+            <a:r>
+              <a:rPr lang="ko-KR" altLang="en-US" sz="1400" dirty="0">
+                <a:latin typeface="+mj-lt"/>
+              </a:rPr>
+              <a:t>국제 시장 분석 사이트</a:t>
+            </a:r>
+            <a:endParaRPr lang="en-US" altLang="ko-KR" sz="1400" dirty="0">
+              <a:latin typeface="+mj-lt"/>
+            </a:endParaRPr>
           </a:p>
         </p:txBody>
       </p:sp>
@@ -3369,6 +4931,2989 @@
     <p:extLst>
       <p:ext uri="{BB962C8B-B14F-4D97-AF65-F5344CB8AC3E}">
         <p14:creationId xmlns:p14="http://schemas.microsoft.com/office/powerpoint/2010/main" val="1659816232"/>
+      </p:ext>
+    </p:extLst>
+  </p:cSld>
+  <p:clrMapOvr>
+    <a:masterClrMapping/>
+  </p:clrMapOvr>
+</p:sld>
+</file>
+
+<file path=ppt/slides/slide3.xml><?xml version="1.0" encoding="utf-8"?>
+<p:sld xmlns:a="http://schemas.openxmlformats.org/drawingml/2006/main" xmlns:r="http://schemas.openxmlformats.org/officeDocument/2006/relationships" xmlns:p="http://schemas.openxmlformats.org/presentationml/2006/main">
+  <p:cSld>
+    <p:spTree>
+      <p:nvGrpSpPr>
+        <p:cNvPr id="1" name=""/>
+        <p:cNvGrpSpPr/>
+        <p:nvPr/>
+      </p:nvGrpSpPr>
+      <p:grpSpPr>
+        <a:xfrm>
+          <a:off x="0" y="0"/>
+          <a:ext cx="0" cy="0"/>
+          <a:chOff x="0" y="0"/>
+          <a:chExt cx="0" cy="0"/>
+        </a:xfrm>
+      </p:grpSpPr>
+      <p:sp>
+        <p:nvSpPr>
+          <p:cNvPr id="4" name="TextBox 3">
+            <a:extLst>
+              <a:ext uri="{FF2B5EF4-FFF2-40B4-BE49-F238E27FC236}">
+                <a16:creationId xmlns:a16="http://schemas.microsoft.com/office/drawing/2014/main" id="{5892EE43-EB8B-43F1-B911-4B4C571AFAD0}"/>
+              </a:ext>
+            </a:extLst>
+          </p:cNvPr>
+          <p:cNvSpPr txBox="1"/>
+          <p:nvPr/>
+        </p:nvSpPr>
+        <p:spPr>
+          <a:xfrm>
+            <a:off x="308344" y="446567"/>
+            <a:ext cx="4499950" cy="369332"/>
+          </a:xfrm>
+          <a:prstGeom prst="rect">
+            <a:avLst/>
+          </a:prstGeom>
+          <a:noFill/>
+        </p:spPr>
+        <p:txBody>
+          <a:bodyPr wrap="none" rtlCol="0">
+            <a:spAutoFit/>
+          </a:bodyPr>
+          <a:lstStyle/>
+          <a:p>
+            <a:r>
+              <a:rPr lang="en-US" altLang="ko-KR" dirty="0">
+                <a:latin typeface="+mj-lt"/>
+              </a:rPr>
+              <a:t>1. </a:t>
+            </a:r>
+            <a:r>
+              <a:rPr lang="ko-KR" altLang="en-US" dirty="0">
+                <a:latin typeface="+mj-lt"/>
+              </a:rPr>
+              <a:t>대체재</a:t>
+            </a:r>
+            <a:r>
+              <a:rPr lang="en-US" altLang="ko-KR" dirty="0">
+                <a:latin typeface="+mj-lt"/>
+              </a:rPr>
+              <a:t>: </a:t>
+            </a:r>
+            <a:r>
+              <a:rPr lang="ko-KR" altLang="en-US" dirty="0">
+                <a:latin typeface="+mj-lt"/>
+              </a:rPr>
+              <a:t>경쟁 업체 조사</a:t>
+            </a:r>
+            <a:r>
+              <a:rPr lang="en-US" altLang="ko-KR" dirty="0">
+                <a:latin typeface="+mj-lt"/>
+              </a:rPr>
+              <a:t>: </a:t>
+            </a:r>
+            <a:r>
+              <a:rPr lang="ko-KR" altLang="en-US" dirty="0">
+                <a:latin typeface="+mj-lt"/>
+              </a:rPr>
+              <a:t>환경 관련 시장</a:t>
+            </a:r>
+          </a:p>
+        </p:txBody>
+      </p:sp>
+      <p:sp>
+        <p:nvSpPr>
+          <p:cNvPr id="5" name="TextBox 4">
+            <a:extLst>
+              <a:ext uri="{FF2B5EF4-FFF2-40B4-BE49-F238E27FC236}">
+                <a16:creationId xmlns:a16="http://schemas.microsoft.com/office/drawing/2014/main" id="{A0CBB912-A3D6-469D-8600-7156F82167B2}"/>
+              </a:ext>
+            </a:extLst>
+          </p:cNvPr>
+          <p:cNvSpPr txBox="1"/>
+          <p:nvPr/>
+        </p:nvSpPr>
+        <p:spPr>
+          <a:xfrm>
+            <a:off x="1351329" y="1199902"/>
+            <a:ext cx="4499950" cy="523220"/>
+          </a:xfrm>
+          <a:prstGeom prst="rect">
+            <a:avLst/>
+          </a:prstGeom>
+          <a:noFill/>
+        </p:spPr>
+        <p:txBody>
+          <a:bodyPr wrap="square" rtlCol="0">
+            <a:spAutoFit/>
+          </a:bodyPr>
+          <a:lstStyle/>
+          <a:p>
+            <a:pPr marL="342900" indent="-342900">
+              <a:buAutoNum type="arabicPeriod"/>
+            </a:pPr>
+            <a:r>
+              <a:rPr lang="ko-KR" altLang="en-US" sz="1400" dirty="0">
+                <a:latin typeface="+mj-lt"/>
+              </a:rPr>
+              <a:t>빅워크</a:t>
+            </a:r>
+            <a:r>
+              <a:rPr lang="en-US" altLang="ko-KR" sz="1400" dirty="0">
+                <a:latin typeface="+mj-lt"/>
+              </a:rPr>
+              <a:t> (Bigwalk)</a:t>
+            </a:r>
+          </a:p>
+          <a:p>
+            <a:pPr lvl="1"/>
+            <a:r>
+              <a:rPr lang="ko-KR" altLang="en-US" sz="1400" dirty="0">
+                <a:latin typeface="+mj-lt"/>
+              </a:rPr>
+              <a:t>빅워크</a:t>
+            </a:r>
+            <a:r>
+              <a:rPr lang="en-US" altLang="ko-KR" sz="1400" dirty="0">
+                <a:latin typeface="+mj-lt"/>
+              </a:rPr>
+              <a:t> (Bigwalk)</a:t>
+            </a:r>
+          </a:p>
+        </p:txBody>
+      </p:sp>
+      <p:pic>
+        <p:nvPicPr>
+          <p:cNvPr id="5122" name="Picture 2" descr="(주)빅워크 로고">
+            <a:extLst>
+              <a:ext uri="{FF2B5EF4-FFF2-40B4-BE49-F238E27FC236}">
+                <a16:creationId xmlns:a16="http://schemas.microsoft.com/office/drawing/2014/main" id="{C7F7354D-0377-4E87-96B1-62188670C6D7}"/>
+              </a:ext>
+            </a:extLst>
+          </p:cNvPr>
+          <p:cNvPicPr>
+            <a:picLocks noChangeAspect="1" noChangeArrowheads="1"/>
+          </p:cNvPicPr>
+          <p:nvPr/>
+        </p:nvPicPr>
+        <p:blipFill>
+          <a:blip r:embed="rId2">
+            <a:extLst>
+              <a:ext uri="{28A0092B-C50C-407E-A947-70E740481C1C}">
+                <a14:useLocalDpi xmlns:a14="http://schemas.microsoft.com/office/drawing/2010/main" val="0"/>
+              </a:ext>
+            </a:extLst>
+          </a:blip>
+          <a:srcRect/>
+          <a:stretch>
+            <a:fillRect/>
+          </a:stretch>
+        </p:blipFill>
+        <p:spPr bwMode="auto">
+          <a:xfrm>
+            <a:off x="714985" y="1723122"/>
+            <a:ext cx="572266" cy="695766"/>
+          </a:xfrm>
+          <a:prstGeom prst="rect">
+            <a:avLst/>
+          </a:prstGeom>
+          <a:noFill/>
+          <a:extLst>
+            <a:ext uri="{909E8E84-426E-40DD-AFC4-6F175D3DCCD1}">
+              <a14:hiddenFill xmlns:a14="http://schemas.microsoft.com/office/drawing/2010/main">
+                <a:solidFill>
+                  <a:srgbClr val="FFFFFF"/>
+                </a:solidFill>
+              </a14:hiddenFill>
+            </a:ext>
+          </a:extLst>
+        </p:spPr>
+      </p:pic>
+      <p:sp>
+        <p:nvSpPr>
+          <p:cNvPr id="7" name="TextBox 6">
+            <a:extLst>
+              <a:ext uri="{FF2B5EF4-FFF2-40B4-BE49-F238E27FC236}">
+                <a16:creationId xmlns:a16="http://schemas.microsoft.com/office/drawing/2014/main" id="{CE4DE894-3CAA-4F4F-AF73-F75AB0022716}"/>
+              </a:ext>
+            </a:extLst>
+          </p:cNvPr>
+          <p:cNvSpPr txBox="1"/>
+          <p:nvPr/>
+        </p:nvSpPr>
+        <p:spPr>
+          <a:xfrm>
+            <a:off x="1596050" y="2103403"/>
+            <a:ext cx="4499950" cy="3970318"/>
+          </a:xfrm>
+          <a:prstGeom prst="rect">
+            <a:avLst/>
+          </a:prstGeom>
+          <a:noFill/>
+        </p:spPr>
+        <p:txBody>
+          <a:bodyPr wrap="square" rtlCol="0">
+            <a:spAutoFit/>
+          </a:bodyPr>
+          <a:lstStyle/>
+          <a:p>
+            <a:pPr marL="228600" indent="-228600">
+              <a:buFont typeface="+mj-lt"/>
+              <a:buAutoNum type="arabicPeriod"/>
+            </a:pPr>
+            <a:r>
+              <a:rPr lang="ko-KR" altLang="en-US" sz="1200" dirty="0">
+                <a:latin typeface="+mj-lt"/>
+              </a:rPr>
+              <a:t>기업 정보</a:t>
+            </a:r>
+            <a:endParaRPr lang="en-US" altLang="ko-KR" sz="1200" dirty="0">
+              <a:latin typeface="+mj-lt"/>
+            </a:endParaRPr>
+          </a:p>
+          <a:p>
+            <a:pPr marL="800100" lvl="1" indent="-342900">
+              <a:buAutoNum type="arabicPeriod"/>
+            </a:pPr>
+            <a:r>
+              <a:rPr lang="ko-KR" altLang="en-US" sz="1200" dirty="0">
+                <a:latin typeface="+mj-lt"/>
+              </a:rPr>
+              <a:t>구성원</a:t>
+            </a:r>
+            <a:endParaRPr lang="en-US" altLang="ko-KR" sz="1200" dirty="0">
+              <a:latin typeface="+mj-lt"/>
+            </a:endParaRPr>
+          </a:p>
+          <a:p>
+            <a:pPr lvl="2"/>
+            <a:r>
+              <a:rPr lang="en-US" altLang="ko-KR" sz="1200" dirty="0">
+                <a:latin typeface="+mj-lt"/>
+              </a:rPr>
+              <a:t>1 – 10</a:t>
+            </a:r>
+            <a:r>
+              <a:rPr lang="ko-KR" altLang="en-US" sz="1200" dirty="0">
+                <a:latin typeface="+mj-lt"/>
+              </a:rPr>
+              <a:t>명 </a:t>
+            </a:r>
+            <a:r>
+              <a:rPr lang="en-US" altLang="ko-KR" sz="1200" dirty="0">
+                <a:latin typeface="+mj-lt"/>
+              </a:rPr>
+              <a:t>(4</a:t>
+            </a:r>
+            <a:r>
+              <a:rPr lang="ko-KR" altLang="en-US" sz="1200" dirty="0">
+                <a:latin typeface="+mj-lt"/>
+              </a:rPr>
+              <a:t>명</a:t>
+            </a:r>
+            <a:r>
+              <a:rPr lang="en-US" altLang="ko-KR" sz="1200" dirty="0">
+                <a:latin typeface="+mj-lt"/>
+              </a:rPr>
+              <a:t>)</a:t>
+            </a:r>
+          </a:p>
+          <a:p>
+            <a:pPr marL="800100" lvl="1" indent="-342900">
+              <a:buAutoNum type="arabicPeriod"/>
+            </a:pPr>
+            <a:r>
+              <a:rPr lang="ko-KR" altLang="en-US" sz="1200" dirty="0">
+                <a:latin typeface="+mj-lt"/>
+              </a:rPr>
+              <a:t>기업 규모</a:t>
+            </a:r>
+            <a:endParaRPr lang="en-US" altLang="ko-KR" sz="1200" dirty="0">
+              <a:latin typeface="+mj-lt"/>
+            </a:endParaRPr>
+          </a:p>
+          <a:p>
+            <a:pPr lvl="2"/>
+            <a:r>
+              <a:rPr lang="ko-KR" altLang="en-US" sz="1200" dirty="0">
+                <a:latin typeface="+mj-lt"/>
+              </a:rPr>
+              <a:t>정확한 규모는 확인 불가</a:t>
+            </a:r>
+            <a:endParaRPr lang="en-US" altLang="ko-KR" sz="1200" dirty="0">
+              <a:latin typeface="+mj-lt"/>
+            </a:endParaRPr>
+          </a:p>
+          <a:p>
+            <a:pPr lvl="2"/>
+            <a:r>
+              <a:rPr lang="en-US" altLang="ko-KR" sz="1200" dirty="0">
+                <a:latin typeface="+mj-lt"/>
+              </a:rPr>
+              <a:t>3</a:t>
+            </a:r>
+            <a:r>
+              <a:rPr lang="ko-KR" altLang="en-US" sz="1200" dirty="0">
+                <a:latin typeface="+mj-lt"/>
+              </a:rPr>
+              <a:t>회 투자 유치</a:t>
+            </a:r>
+            <a:endParaRPr lang="en-US" altLang="ko-KR" sz="1200" dirty="0">
+              <a:latin typeface="+mj-lt"/>
+            </a:endParaRPr>
+          </a:p>
+          <a:p>
+            <a:pPr lvl="2"/>
+            <a:r>
+              <a:rPr lang="en-US" altLang="ko-KR" sz="1200" dirty="0">
+                <a:latin typeface="+mj-lt"/>
+              </a:rPr>
+              <a:t>	</a:t>
+            </a:r>
+            <a:r>
+              <a:rPr lang="ko-KR" altLang="en-US" sz="1200" dirty="0" err="1">
+                <a:latin typeface="+mj-lt"/>
+              </a:rPr>
+              <a:t>와디즈</a:t>
+            </a:r>
+            <a:r>
+              <a:rPr lang="ko-KR" altLang="en-US" sz="1200" dirty="0">
+                <a:latin typeface="+mj-lt"/>
+              </a:rPr>
+              <a:t> 펀딩 </a:t>
+            </a:r>
+            <a:r>
+              <a:rPr lang="en-US" altLang="ko-KR" sz="1200" dirty="0">
+                <a:latin typeface="+mj-lt"/>
+              </a:rPr>
+              <a:t>&lt;- </a:t>
+            </a:r>
+            <a:r>
+              <a:rPr lang="ko-KR" altLang="en-US" sz="1200" dirty="0">
+                <a:latin typeface="+mj-lt"/>
+              </a:rPr>
+              <a:t>약 </a:t>
+            </a:r>
+            <a:r>
+              <a:rPr lang="en-US" altLang="ko-KR" sz="1200" dirty="0">
+                <a:latin typeface="+mj-lt"/>
+              </a:rPr>
+              <a:t>5,000</a:t>
+            </a:r>
+            <a:r>
+              <a:rPr lang="ko-KR" altLang="en-US" sz="1200" dirty="0">
+                <a:latin typeface="+mj-lt"/>
+              </a:rPr>
+              <a:t>만원</a:t>
+            </a:r>
+            <a:endParaRPr lang="en-US" altLang="ko-KR" sz="1200" dirty="0">
+              <a:latin typeface="+mj-lt"/>
+            </a:endParaRPr>
+          </a:p>
+          <a:p>
+            <a:pPr lvl="2"/>
+            <a:r>
+              <a:rPr lang="en-US" altLang="ko-KR" sz="1200" dirty="0">
+                <a:latin typeface="+mj-lt"/>
+              </a:rPr>
+              <a:t>	</a:t>
+            </a:r>
+            <a:r>
+              <a:rPr lang="ko-KR" altLang="en-US" sz="1200" dirty="0">
+                <a:latin typeface="+mj-lt"/>
+              </a:rPr>
+              <a:t>신세계 </a:t>
+            </a:r>
+            <a:r>
+              <a:rPr lang="en-US" altLang="ko-KR" sz="1200" dirty="0">
+                <a:latin typeface="+mj-lt"/>
+              </a:rPr>
+              <a:t>I&amp;C</a:t>
+            </a:r>
+          </a:p>
+          <a:p>
+            <a:pPr lvl="2"/>
+            <a:r>
+              <a:rPr lang="en-US" altLang="ko-KR" sz="1200" dirty="0">
+                <a:latin typeface="+mj-lt"/>
+              </a:rPr>
+              <a:t>	</a:t>
+            </a:r>
+            <a:r>
+              <a:rPr lang="ko-KR" altLang="en-US" sz="1200" dirty="0">
+                <a:latin typeface="+mj-lt"/>
+              </a:rPr>
+              <a:t>포스코 기술투자</a:t>
+            </a:r>
+            <a:endParaRPr lang="en-US" altLang="ko-KR" sz="1200" dirty="0">
+              <a:latin typeface="+mj-lt"/>
+            </a:endParaRPr>
+          </a:p>
+          <a:p>
+            <a:pPr marL="228600" indent="-228600">
+              <a:buFont typeface="+mj-lt"/>
+              <a:buAutoNum type="arabicPeriod"/>
+            </a:pPr>
+            <a:r>
+              <a:rPr lang="ko-KR" altLang="en-US" sz="1200" dirty="0">
+                <a:latin typeface="+mj-lt"/>
+              </a:rPr>
+              <a:t>서비스 정보</a:t>
+            </a:r>
+            <a:endParaRPr lang="en-US" altLang="ko-KR" sz="1200" dirty="0">
+              <a:latin typeface="+mj-lt"/>
+            </a:endParaRPr>
+          </a:p>
+          <a:p>
+            <a:pPr marL="685800" lvl="1" indent="-228600">
+              <a:buFont typeface="+mj-lt"/>
+              <a:buAutoNum type="arabicPeriod"/>
+            </a:pPr>
+            <a:r>
+              <a:rPr lang="ko-KR" altLang="en-US" sz="1200" dirty="0">
+                <a:latin typeface="+mj-lt"/>
+              </a:rPr>
+              <a:t>종류</a:t>
+            </a:r>
+            <a:endParaRPr lang="en-US" altLang="ko-KR" sz="1200" dirty="0">
+              <a:latin typeface="+mj-lt"/>
+            </a:endParaRPr>
+          </a:p>
+          <a:p>
+            <a:pPr lvl="1"/>
+            <a:r>
+              <a:rPr lang="en-US" altLang="ko-KR" sz="1200" dirty="0">
+                <a:latin typeface="+mj-lt"/>
+              </a:rPr>
+              <a:t>	</a:t>
+            </a:r>
+            <a:r>
+              <a:rPr lang="ko-KR" altLang="en-US" sz="1200" dirty="0">
+                <a:latin typeface="+mj-lt"/>
+              </a:rPr>
+              <a:t>헬스케어</a:t>
+            </a:r>
+            <a:r>
+              <a:rPr lang="ko-KR" altLang="en-US" sz="1200" dirty="0"/>
+              <a:t> 기반 사회공헌 </a:t>
+            </a:r>
+            <a:r>
+              <a:rPr lang="ko-KR" altLang="en-US" sz="1200" dirty="0">
+                <a:highlight>
+                  <a:srgbClr val="00FFFF"/>
+                </a:highlight>
+              </a:rPr>
+              <a:t>소셜</a:t>
+            </a:r>
+            <a:r>
+              <a:rPr lang="ko-KR" altLang="en-US" sz="1200" dirty="0"/>
+              <a:t> 플랫폼</a:t>
+            </a:r>
+            <a:endParaRPr lang="en-US" altLang="ko-KR" sz="1200" dirty="0"/>
+          </a:p>
+          <a:p>
+            <a:pPr marL="685800" lvl="1" indent="-228600">
+              <a:buFont typeface="+mj-lt"/>
+              <a:buAutoNum type="arabicPeriod" startAt="2"/>
+            </a:pPr>
+            <a:r>
+              <a:rPr lang="ko-KR" altLang="en-US" sz="1200" dirty="0"/>
+              <a:t>특징</a:t>
+            </a:r>
+            <a:endParaRPr lang="en-US" altLang="ko-KR" sz="1200" dirty="0"/>
+          </a:p>
+          <a:p>
+            <a:pPr marL="628650" lvl="1" indent="-171450">
+              <a:buFont typeface="Arial" panose="020B0604020202020204" pitchFamily="34" charset="0"/>
+              <a:buChar char="•"/>
+            </a:pPr>
+            <a:r>
+              <a:rPr lang="ko-KR" altLang="en-US" sz="1200" dirty="0"/>
+              <a:t>기업에서 운영하는 서비스가 이거 하나임</a:t>
+            </a:r>
+            <a:endParaRPr lang="en-US" altLang="ko-KR" sz="1200" dirty="0"/>
+          </a:p>
+          <a:p>
+            <a:pPr marL="628650" lvl="1" indent="-171450">
+              <a:buFont typeface="Arial" panose="020B0604020202020204" pitchFamily="34" charset="0"/>
+              <a:buChar char="•"/>
+            </a:pPr>
+            <a:r>
+              <a:rPr lang="ko-KR" altLang="en-US" sz="1200" dirty="0"/>
+              <a:t>최근까지 꾸준히 업데이트 </a:t>
+            </a:r>
+            <a:r>
+              <a:rPr lang="en-US" altLang="ko-KR" sz="1200" dirty="0"/>
+              <a:t>/ </a:t>
+            </a:r>
+            <a:r>
+              <a:rPr lang="ko-KR" altLang="en-US" sz="1200" dirty="0"/>
+              <a:t>관리 </a:t>
+            </a:r>
+            <a:r>
+              <a:rPr lang="en-US" altLang="ko-KR" sz="1200" dirty="0"/>
+              <a:t>(2020.08.11)</a:t>
+            </a:r>
+          </a:p>
+          <a:p>
+            <a:pPr marL="628650" lvl="1" indent="-171450">
+              <a:buFont typeface="Arial" panose="020B0604020202020204" pitchFamily="34" charset="0"/>
+              <a:buChar char="•"/>
+            </a:pPr>
+            <a:r>
+              <a:rPr lang="ko-KR" altLang="en-US" sz="1200" dirty="0"/>
+              <a:t>걸음 </a:t>
+            </a:r>
+            <a:r>
+              <a:rPr lang="en-US" altLang="ko-KR" sz="1200" dirty="0"/>
+              <a:t>-&gt; </a:t>
+            </a:r>
+            <a:r>
+              <a:rPr lang="ko-KR" altLang="en-US" sz="1200" dirty="0"/>
+              <a:t>포인트 </a:t>
+            </a:r>
+            <a:r>
+              <a:rPr lang="en-US" altLang="ko-KR" sz="1200" dirty="0"/>
+              <a:t>-&gt; </a:t>
+            </a:r>
+            <a:r>
+              <a:rPr lang="ko-KR" altLang="en-US" sz="1200" dirty="0"/>
+              <a:t>원하는 캠페인에 펀딩</a:t>
+            </a:r>
+            <a:endParaRPr lang="en-US" altLang="ko-KR" sz="1200" dirty="0"/>
+          </a:p>
+          <a:p>
+            <a:pPr marL="628650" lvl="1" indent="-171450">
+              <a:buFont typeface="Arial" panose="020B0604020202020204" pitchFamily="34" charset="0"/>
+              <a:buChar char="•"/>
+            </a:pPr>
+            <a:r>
+              <a:rPr lang="ko-KR" altLang="en-US" sz="1200" b="1" dirty="0">
+                <a:solidFill>
+                  <a:srgbClr val="0070C0"/>
+                </a:solidFill>
+              </a:rPr>
+              <a:t>외부 단체에서 펀딩 유치 </a:t>
+            </a:r>
+            <a:br>
+              <a:rPr lang="en-US" altLang="ko-KR" sz="1200" b="1" dirty="0">
+                <a:solidFill>
+                  <a:srgbClr val="0070C0"/>
+                </a:solidFill>
+              </a:rPr>
+            </a:br>
+            <a:r>
+              <a:rPr lang="en-US" altLang="ko-KR" sz="1200" b="1" dirty="0">
+                <a:solidFill>
+                  <a:srgbClr val="0070C0"/>
+                </a:solidFill>
+              </a:rPr>
+              <a:t>+ </a:t>
+            </a:r>
+            <a:r>
+              <a:rPr lang="ko-KR" altLang="en-US" sz="1200" b="1" dirty="0">
+                <a:solidFill>
+                  <a:srgbClr val="0070C0"/>
+                </a:solidFill>
+              </a:rPr>
+              <a:t>자체 펀딩</a:t>
+            </a:r>
+            <a:r>
+              <a:rPr lang="en-US" altLang="ko-KR" sz="1200" b="1" dirty="0">
+                <a:solidFill>
+                  <a:srgbClr val="0070C0"/>
+                </a:solidFill>
+              </a:rPr>
+              <a:t>(ex: </a:t>
+            </a:r>
+            <a:r>
+              <a:rPr lang="ko-KR" altLang="en-US" sz="1200" b="1" dirty="0" err="1">
+                <a:solidFill>
+                  <a:srgbClr val="0070C0"/>
+                </a:solidFill>
+              </a:rPr>
+              <a:t>와디즈</a:t>
+            </a:r>
+            <a:r>
+              <a:rPr lang="en-US" altLang="ko-KR" sz="1200" b="1" dirty="0">
+                <a:solidFill>
+                  <a:srgbClr val="0070C0"/>
+                </a:solidFill>
+              </a:rPr>
+              <a:t>)</a:t>
+            </a:r>
+            <a:r>
+              <a:rPr lang="ko-KR" altLang="en-US" sz="1200" b="1" dirty="0">
+                <a:solidFill>
+                  <a:srgbClr val="0070C0"/>
+                </a:solidFill>
+              </a:rPr>
+              <a:t>을 통한 펀딩 컨텐츠 마련</a:t>
+            </a:r>
+            <a:endParaRPr lang="en-US" altLang="ko-KR" sz="1200" b="1" dirty="0">
+              <a:solidFill>
+                <a:srgbClr val="0070C0"/>
+              </a:solidFill>
+            </a:endParaRPr>
+          </a:p>
+          <a:p>
+            <a:pPr marL="628650" lvl="1" indent="-171450">
+              <a:buFont typeface="Arial" panose="020B0604020202020204" pitchFamily="34" charset="0"/>
+              <a:buChar char="•"/>
+            </a:pPr>
+            <a:r>
+              <a:rPr lang="ko-KR" altLang="en-US" sz="1200" dirty="0"/>
+              <a:t>고유 기능에 집중</a:t>
+            </a:r>
+            <a:r>
+              <a:rPr lang="en-US" altLang="ko-KR" sz="1200" dirty="0"/>
+              <a:t>: </a:t>
+            </a:r>
+            <a:r>
+              <a:rPr lang="ko-KR" altLang="en-US" sz="1200" dirty="0"/>
+              <a:t>캠페인 </a:t>
+            </a:r>
+            <a:r>
+              <a:rPr lang="en-US" altLang="ko-KR" sz="1200" dirty="0"/>
+              <a:t>/ </a:t>
+            </a:r>
+            <a:r>
+              <a:rPr lang="ko-KR" altLang="en-US" sz="1200" dirty="0"/>
+              <a:t>공유 </a:t>
+            </a:r>
+            <a:r>
+              <a:rPr lang="en-US" altLang="ko-KR" sz="1200" dirty="0"/>
+              <a:t>( + </a:t>
+            </a:r>
+            <a:r>
+              <a:rPr lang="ko-KR" altLang="en-US" sz="1200" dirty="0"/>
+              <a:t>랭킹</a:t>
+            </a:r>
+            <a:r>
+              <a:rPr lang="en-US" altLang="ko-KR" sz="1200" dirty="0"/>
+              <a:t>)</a:t>
+            </a:r>
+          </a:p>
+          <a:p>
+            <a:pPr marL="628650" lvl="1" indent="-171450">
+              <a:buFont typeface="Arial" panose="020B0604020202020204" pitchFamily="34" charset="0"/>
+              <a:buChar char="•"/>
+            </a:pPr>
+            <a:r>
+              <a:rPr lang="ko-KR" altLang="en-US" sz="1200" dirty="0">
+                <a:solidFill>
+                  <a:srgbClr val="FF0000"/>
+                </a:solidFill>
+              </a:rPr>
+              <a:t>자체 친구기능 없음</a:t>
+            </a:r>
+            <a:endParaRPr lang="en-US" altLang="ko-KR" sz="1200" dirty="0">
+              <a:solidFill>
+                <a:srgbClr val="FF0000"/>
+              </a:solidFill>
+            </a:endParaRPr>
+          </a:p>
+          <a:p>
+            <a:pPr marL="628650" lvl="1" indent="-171450">
+              <a:buFont typeface="Arial" panose="020B0604020202020204" pitchFamily="34" charset="0"/>
+              <a:buChar char="•"/>
+            </a:pPr>
+            <a:r>
+              <a:rPr lang="ko-KR" altLang="en-US" sz="1200" b="1" dirty="0">
+                <a:solidFill>
+                  <a:srgbClr val="0070C0"/>
+                </a:solidFill>
+              </a:rPr>
+              <a:t>추가적 리워드</a:t>
+            </a:r>
+            <a:r>
+              <a:rPr lang="en-US" altLang="ko-KR" sz="1200" b="1" dirty="0">
+                <a:solidFill>
+                  <a:srgbClr val="0070C0"/>
+                </a:solidFill>
+              </a:rPr>
+              <a:t>: </a:t>
+            </a:r>
+            <a:r>
+              <a:rPr lang="ko-KR" altLang="en-US" sz="1200" b="1" dirty="0">
+                <a:solidFill>
+                  <a:srgbClr val="0070C0"/>
+                </a:solidFill>
+              </a:rPr>
+              <a:t>업적에 따른 아이콘 보상</a:t>
+            </a:r>
+            <a:endParaRPr lang="en-US" altLang="ko-KR" sz="1200" b="1" dirty="0">
+              <a:solidFill>
+                <a:srgbClr val="0070C0"/>
+              </a:solidFill>
+            </a:endParaRPr>
+          </a:p>
+        </p:txBody>
+      </p:sp>
+      <p:sp>
+        <p:nvSpPr>
+          <p:cNvPr id="6" name="직사각형 5">
+            <a:extLst>
+              <a:ext uri="{FF2B5EF4-FFF2-40B4-BE49-F238E27FC236}">
+                <a16:creationId xmlns:a16="http://schemas.microsoft.com/office/drawing/2014/main" id="{9618D4F7-353D-434A-8457-DBE487B2C35B}"/>
+              </a:ext>
+            </a:extLst>
+          </p:cNvPr>
+          <p:cNvSpPr/>
+          <p:nvPr/>
+        </p:nvSpPr>
+        <p:spPr>
+          <a:xfrm>
+            <a:off x="0" y="6596390"/>
+            <a:ext cx="3768980" cy="261610"/>
+          </a:xfrm>
+          <a:prstGeom prst="rect">
+            <a:avLst/>
+          </a:prstGeom>
+        </p:spPr>
+        <p:txBody>
+          <a:bodyPr wrap="none">
+            <a:spAutoFit/>
+          </a:bodyPr>
+          <a:lstStyle/>
+          <a:p>
+            <a:r>
+              <a:rPr lang="en-US" altLang="ko-KR" sz="1100" dirty="0">
+                <a:hlinkClick r:id="rId3"/>
+              </a:rPr>
+              <a:t>https://www.rocketpunch.com/companies/ju-bigweokeu</a:t>
+            </a:r>
+            <a:endParaRPr lang="ko-KR" altLang="en-US" sz="1100" dirty="0"/>
+          </a:p>
+        </p:txBody>
+      </p:sp>
+      <p:sp>
+        <p:nvSpPr>
+          <p:cNvPr id="9" name="TextBox 8">
+            <a:extLst>
+              <a:ext uri="{FF2B5EF4-FFF2-40B4-BE49-F238E27FC236}">
+                <a16:creationId xmlns:a16="http://schemas.microsoft.com/office/drawing/2014/main" id="{2777531C-5C8E-4777-B0D9-96725299CA1F}"/>
+              </a:ext>
+            </a:extLst>
+          </p:cNvPr>
+          <p:cNvSpPr txBox="1"/>
+          <p:nvPr/>
+        </p:nvSpPr>
+        <p:spPr>
+          <a:xfrm>
+            <a:off x="6977896" y="1199902"/>
+            <a:ext cx="4499950" cy="523220"/>
+          </a:xfrm>
+          <a:prstGeom prst="rect">
+            <a:avLst/>
+          </a:prstGeom>
+          <a:noFill/>
+        </p:spPr>
+        <p:txBody>
+          <a:bodyPr wrap="square" rtlCol="0">
+            <a:spAutoFit/>
+          </a:bodyPr>
+          <a:lstStyle/>
+          <a:p>
+            <a:pPr marL="342900" indent="-342900">
+              <a:buFont typeface="+mj-lt"/>
+              <a:buAutoNum type="arabicPeriod" startAt="2"/>
+            </a:pPr>
+            <a:r>
+              <a:rPr lang="en-US" altLang="ko-KR" sz="1400" dirty="0" err="1">
+                <a:latin typeface="+mj-lt"/>
+              </a:rPr>
+              <a:t>iRecycle</a:t>
+            </a:r>
+            <a:endParaRPr lang="en-US" altLang="ko-KR" sz="1400" dirty="0">
+              <a:latin typeface="+mj-lt"/>
+            </a:endParaRPr>
+          </a:p>
+          <a:p>
+            <a:pPr lvl="1"/>
+            <a:r>
+              <a:rPr lang="en-US" altLang="ko-KR" sz="1400" dirty="0">
+                <a:latin typeface="+mj-lt"/>
+              </a:rPr>
+              <a:t>By</a:t>
+            </a:r>
+            <a:r>
+              <a:rPr lang="ko-KR" altLang="en-US" sz="1400" dirty="0">
+                <a:latin typeface="+mj-lt"/>
+              </a:rPr>
+              <a:t> </a:t>
+            </a:r>
+            <a:r>
+              <a:rPr lang="en-US" altLang="ko-KR" sz="1400" dirty="0">
+                <a:latin typeface="+mj-lt"/>
+              </a:rPr>
+              <a:t>Earth911</a:t>
+            </a:r>
+          </a:p>
+        </p:txBody>
+      </p:sp>
+      <p:sp>
+        <p:nvSpPr>
+          <p:cNvPr id="11" name="TextBox 10">
+            <a:extLst>
+              <a:ext uri="{FF2B5EF4-FFF2-40B4-BE49-F238E27FC236}">
+                <a16:creationId xmlns:a16="http://schemas.microsoft.com/office/drawing/2014/main" id="{E60DE603-6A2D-4C71-BEF8-1E983B18204B}"/>
+              </a:ext>
+            </a:extLst>
+          </p:cNvPr>
+          <p:cNvSpPr txBox="1"/>
+          <p:nvPr/>
+        </p:nvSpPr>
+        <p:spPr>
+          <a:xfrm>
+            <a:off x="7222617" y="2103403"/>
+            <a:ext cx="4499950" cy="3600986"/>
+          </a:xfrm>
+          <a:prstGeom prst="rect">
+            <a:avLst/>
+          </a:prstGeom>
+          <a:noFill/>
+        </p:spPr>
+        <p:txBody>
+          <a:bodyPr wrap="square" rtlCol="0">
+            <a:spAutoFit/>
+          </a:bodyPr>
+          <a:lstStyle/>
+          <a:p>
+            <a:pPr marL="228600" indent="-228600">
+              <a:buFont typeface="+mj-lt"/>
+              <a:buAutoNum type="arabicPeriod"/>
+            </a:pPr>
+            <a:r>
+              <a:rPr lang="ko-KR" altLang="en-US" sz="1200" dirty="0">
+                <a:latin typeface="+mj-lt"/>
+              </a:rPr>
+              <a:t>기업 정보</a:t>
+            </a:r>
+            <a:endParaRPr lang="en-US" altLang="ko-KR" sz="1200" dirty="0">
+              <a:latin typeface="+mj-lt"/>
+            </a:endParaRPr>
+          </a:p>
+          <a:p>
+            <a:pPr marL="800100" lvl="1" indent="-342900">
+              <a:buAutoNum type="arabicPeriod"/>
+            </a:pPr>
+            <a:r>
+              <a:rPr lang="ko-KR" altLang="en-US" sz="1200" dirty="0">
+                <a:latin typeface="+mj-lt"/>
+              </a:rPr>
+              <a:t>구성원</a:t>
+            </a:r>
+            <a:endParaRPr lang="en-US" altLang="ko-KR" sz="1200" dirty="0">
+              <a:latin typeface="+mj-lt"/>
+            </a:endParaRPr>
+          </a:p>
+          <a:p>
+            <a:pPr lvl="2"/>
+            <a:r>
+              <a:rPr lang="en-US" altLang="ko-KR" sz="1200" dirty="0">
+                <a:latin typeface="+mj-lt"/>
+              </a:rPr>
+              <a:t>1 – 10</a:t>
+            </a:r>
+            <a:r>
+              <a:rPr lang="ko-KR" altLang="en-US" sz="1200" dirty="0">
+                <a:latin typeface="+mj-lt"/>
+              </a:rPr>
+              <a:t>명 </a:t>
+            </a:r>
+            <a:r>
+              <a:rPr lang="en-US" altLang="ko-KR" sz="1200" dirty="0">
+                <a:latin typeface="+mj-lt"/>
+              </a:rPr>
+              <a:t>(8</a:t>
+            </a:r>
+            <a:r>
+              <a:rPr lang="ko-KR" altLang="en-US" sz="1200" dirty="0">
+                <a:latin typeface="+mj-lt"/>
+              </a:rPr>
+              <a:t>명</a:t>
+            </a:r>
+            <a:r>
+              <a:rPr lang="en-US" altLang="ko-KR" sz="1200" dirty="0">
+                <a:latin typeface="+mj-lt"/>
+              </a:rPr>
+              <a:t>)</a:t>
+            </a:r>
+          </a:p>
+          <a:p>
+            <a:pPr marL="800100" lvl="1" indent="-342900">
+              <a:buAutoNum type="arabicPeriod"/>
+            </a:pPr>
+            <a:r>
+              <a:rPr lang="ko-KR" altLang="en-US" sz="1200" dirty="0">
+                <a:latin typeface="+mj-lt"/>
+              </a:rPr>
+              <a:t>기업 규모</a:t>
+            </a:r>
+            <a:endParaRPr lang="en-US" altLang="ko-KR" sz="1200" dirty="0">
+              <a:latin typeface="+mj-lt"/>
+            </a:endParaRPr>
+          </a:p>
+          <a:p>
+            <a:pPr lvl="2"/>
+            <a:r>
+              <a:rPr lang="ko-KR" altLang="en-US" sz="1200" dirty="0">
+                <a:latin typeface="+mj-lt"/>
+              </a:rPr>
+              <a:t>정확한 규모는 확인 불가</a:t>
+            </a:r>
+            <a:endParaRPr lang="en-US" altLang="ko-KR" sz="1200" dirty="0">
+              <a:latin typeface="+mj-lt"/>
+            </a:endParaRPr>
+          </a:p>
+          <a:p>
+            <a:pPr lvl="2"/>
+            <a:r>
+              <a:rPr lang="ko-KR" altLang="en-US" sz="1200" dirty="0">
+                <a:latin typeface="+mj-lt"/>
+              </a:rPr>
+              <a:t>다양한 상품 보유</a:t>
+            </a:r>
+            <a:endParaRPr lang="en-US" altLang="ko-KR" sz="1200" dirty="0">
+              <a:latin typeface="+mj-lt"/>
+            </a:endParaRPr>
+          </a:p>
+          <a:p>
+            <a:pPr lvl="2"/>
+            <a:r>
+              <a:rPr lang="en-US" altLang="ko-KR" sz="1200" dirty="0">
+                <a:latin typeface="+mj-lt"/>
+              </a:rPr>
+              <a:t>	</a:t>
+            </a:r>
+            <a:r>
+              <a:rPr lang="ko-KR" altLang="en-US" sz="1200" dirty="0">
+                <a:latin typeface="+mj-lt"/>
+              </a:rPr>
+              <a:t>자체 환경 정보 웹페이지 운영</a:t>
+            </a:r>
+            <a:endParaRPr lang="en-US" altLang="ko-KR" sz="1200" dirty="0">
+              <a:latin typeface="+mj-lt"/>
+            </a:endParaRPr>
+          </a:p>
+          <a:p>
+            <a:pPr lvl="2"/>
+            <a:r>
+              <a:rPr lang="en-US" altLang="ko-KR" sz="1200" dirty="0">
+                <a:latin typeface="+mj-lt"/>
+              </a:rPr>
+              <a:t>	</a:t>
+            </a:r>
+            <a:r>
+              <a:rPr lang="ko-KR" altLang="en-US" sz="1200" dirty="0">
+                <a:latin typeface="+mj-lt"/>
+              </a:rPr>
+              <a:t>후원 </a:t>
+            </a:r>
+            <a:r>
+              <a:rPr lang="en-US" altLang="ko-KR" sz="1200" dirty="0">
+                <a:latin typeface="+mj-lt"/>
+              </a:rPr>
+              <a:t>/ </a:t>
+            </a:r>
+            <a:r>
+              <a:rPr lang="ko-KR" altLang="en-US" sz="1200" dirty="0">
+                <a:latin typeface="+mj-lt"/>
+              </a:rPr>
+              <a:t>기사 형태의 정보 제공</a:t>
+            </a:r>
+            <a:endParaRPr lang="en-US" altLang="ko-KR" sz="1200" dirty="0">
+              <a:latin typeface="+mj-lt"/>
+            </a:endParaRPr>
+          </a:p>
+          <a:p>
+            <a:pPr lvl="2"/>
+            <a:r>
+              <a:rPr lang="en-US" altLang="ko-KR" sz="1200" dirty="0">
+                <a:latin typeface="+mj-lt"/>
+              </a:rPr>
+              <a:t>	SNS</a:t>
+            </a:r>
+            <a:r>
+              <a:rPr lang="ko-KR" altLang="en-US" sz="1200" dirty="0">
+                <a:latin typeface="+mj-lt"/>
+              </a:rPr>
+              <a:t> 광고 대행</a:t>
+            </a:r>
+            <a:endParaRPr lang="en-US" altLang="ko-KR" sz="1200" dirty="0">
+              <a:latin typeface="+mj-lt"/>
+            </a:endParaRPr>
+          </a:p>
+          <a:p>
+            <a:pPr lvl="2"/>
+            <a:r>
+              <a:rPr lang="en-US" altLang="ko-KR" sz="1200" dirty="0">
+                <a:latin typeface="+mj-lt"/>
+              </a:rPr>
+              <a:t>	</a:t>
+            </a:r>
+            <a:r>
+              <a:rPr lang="en-US" altLang="ko-KR" sz="1200" dirty="0" err="1">
+                <a:latin typeface="+mj-lt"/>
+              </a:rPr>
+              <a:t>iRecycle</a:t>
+            </a:r>
+            <a:r>
+              <a:rPr lang="en-US" altLang="ko-KR" sz="1200" dirty="0">
+                <a:latin typeface="+mj-lt"/>
+              </a:rPr>
+              <a:t> </a:t>
+            </a:r>
+            <a:r>
+              <a:rPr lang="ko-KR" altLang="en-US" sz="1200" dirty="0">
+                <a:latin typeface="+mj-lt"/>
+              </a:rPr>
+              <a:t>애플리케이션</a:t>
+            </a:r>
+            <a:endParaRPr lang="en-US" altLang="ko-KR" sz="1200" dirty="0">
+              <a:latin typeface="+mj-lt"/>
+            </a:endParaRPr>
+          </a:p>
+          <a:p>
+            <a:pPr marL="228600" indent="-228600">
+              <a:buFont typeface="+mj-lt"/>
+              <a:buAutoNum type="arabicPeriod"/>
+            </a:pPr>
+            <a:r>
+              <a:rPr lang="ko-KR" altLang="en-US" sz="1200" dirty="0">
+                <a:latin typeface="+mj-lt"/>
+              </a:rPr>
+              <a:t>서비스 정보</a:t>
+            </a:r>
+            <a:endParaRPr lang="en-US" altLang="ko-KR" sz="1200" dirty="0">
+              <a:latin typeface="+mj-lt"/>
+            </a:endParaRPr>
+          </a:p>
+          <a:p>
+            <a:pPr marL="685800" lvl="1" indent="-228600">
+              <a:buFont typeface="+mj-lt"/>
+              <a:buAutoNum type="arabicPeriod"/>
+            </a:pPr>
+            <a:r>
+              <a:rPr lang="ko-KR" altLang="en-US" sz="1200" dirty="0">
+                <a:latin typeface="+mj-lt"/>
+              </a:rPr>
+              <a:t>종류</a:t>
+            </a:r>
+            <a:endParaRPr lang="en-US" altLang="ko-KR" sz="1200" dirty="0">
+              <a:latin typeface="+mj-lt"/>
+            </a:endParaRPr>
+          </a:p>
+          <a:p>
+            <a:pPr lvl="1"/>
+            <a:r>
+              <a:rPr lang="en-US" altLang="ko-KR" sz="1200" dirty="0">
+                <a:latin typeface="+mj-lt"/>
+              </a:rPr>
+              <a:t>	</a:t>
+            </a:r>
+            <a:r>
+              <a:rPr lang="ko-KR" altLang="en-US" sz="1200" dirty="0">
+                <a:latin typeface="+mj-lt"/>
+              </a:rPr>
+              <a:t>카테고리 별 분리배출법 </a:t>
+            </a:r>
+            <a:r>
+              <a:rPr lang="ko-KR" altLang="en-US" sz="1200" dirty="0">
+                <a:highlight>
+                  <a:srgbClr val="00FFFF"/>
+                </a:highlight>
+                <a:latin typeface="+mj-lt"/>
+              </a:rPr>
+              <a:t>정보 제공</a:t>
+            </a:r>
+            <a:r>
+              <a:rPr lang="ko-KR" altLang="en-US" sz="1200" dirty="0">
+                <a:latin typeface="+mj-lt"/>
+              </a:rPr>
+              <a:t> </a:t>
+            </a:r>
+            <a:r>
+              <a:rPr lang="ko-KR" altLang="en-US" sz="1200" dirty="0"/>
+              <a:t>플랫폼</a:t>
+            </a:r>
+            <a:endParaRPr lang="en-US" altLang="ko-KR" sz="1200" dirty="0"/>
+          </a:p>
+          <a:p>
+            <a:pPr marL="685800" lvl="1" indent="-228600">
+              <a:buFont typeface="+mj-lt"/>
+              <a:buAutoNum type="arabicPeriod" startAt="2"/>
+            </a:pPr>
+            <a:r>
+              <a:rPr lang="ko-KR" altLang="en-US" sz="1200" dirty="0"/>
+              <a:t>특징</a:t>
+            </a:r>
+            <a:endParaRPr lang="en-US" altLang="ko-KR" sz="1200" dirty="0"/>
+          </a:p>
+          <a:p>
+            <a:pPr marL="628650" lvl="1" indent="-171450">
+              <a:buFont typeface="Arial" panose="020B0604020202020204" pitchFamily="34" charset="0"/>
+              <a:buChar char="•"/>
+            </a:pPr>
+            <a:r>
+              <a:rPr lang="ko-KR" altLang="en-US" sz="1200" dirty="0"/>
+              <a:t>비교적 </a:t>
+            </a:r>
+            <a:r>
+              <a:rPr lang="ko-KR" altLang="en-US" sz="1200" b="1" dirty="0">
+                <a:solidFill>
+                  <a:srgbClr val="0070C0"/>
+                </a:solidFill>
+              </a:rPr>
+              <a:t>상세하게 나뉘어져 있는 카테고리</a:t>
+            </a:r>
+            <a:endParaRPr lang="en-US" altLang="ko-KR" sz="1200" b="1" dirty="0">
+              <a:solidFill>
+                <a:srgbClr val="0070C0"/>
+              </a:solidFill>
+            </a:endParaRPr>
+          </a:p>
+          <a:p>
+            <a:pPr marL="628650" lvl="1" indent="-171450">
+              <a:buFont typeface="Arial" panose="020B0604020202020204" pitchFamily="34" charset="0"/>
+              <a:buChar char="•"/>
+            </a:pPr>
+            <a:r>
+              <a:rPr lang="ko-KR" altLang="en-US" sz="1200" dirty="0"/>
+              <a:t>분리수거 후 특정 수거 업체와의 연락 가능</a:t>
+            </a:r>
+            <a:endParaRPr lang="en-US" altLang="ko-KR" sz="1200" dirty="0"/>
+          </a:p>
+          <a:p>
+            <a:pPr marL="628650" lvl="1" indent="-171450">
+              <a:buFont typeface="Arial" panose="020B0604020202020204" pitchFamily="34" charset="0"/>
+              <a:buChar char="•"/>
+            </a:pPr>
+            <a:r>
+              <a:rPr lang="ko-KR" altLang="en-US" sz="1200" dirty="0"/>
+              <a:t>내 주변 분리수거 업체 위치 정보 제공</a:t>
+            </a:r>
+            <a:endParaRPr lang="en-US" altLang="ko-KR" sz="1200" dirty="0"/>
+          </a:p>
+          <a:p>
+            <a:pPr marL="628650" lvl="1" indent="-171450">
+              <a:buFont typeface="Arial" panose="020B0604020202020204" pitchFamily="34" charset="0"/>
+              <a:buChar char="•"/>
+            </a:pPr>
+            <a:r>
+              <a:rPr lang="ko-KR" altLang="en-US" sz="1200" dirty="0"/>
+              <a:t>분리수거 관련 뉴스 피드 제공</a:t>
+            </a:r>
+            <a:endParaRPr lang="en-US" altLang="ko-KR" sz="1200" dirty="0"/>
+          </a:p>
+          <a:p>
+            <a:pPr marL="628650" lvl="1" indent="-171450">
+              <a:buFont typeface="Arial" panose="020B0604020202020204" pitchFamily="34" charset="0"/>
+              <a:buChar char="•"/>
+            </a:pPr>
+            <a:r>
+              <a:rPr lang="ko-KR" altLang="en-US" sz="1200" dirty="0">
+                <a:solidFill>
+                  <a:srgbClr val="FF0000"/>
+                </a:solidFill>
+              </a:rPr>
+              <a:t>미국 겨냥 어플 </a:t>
+            </a:r>
+            <a:r>
+              <a:rPr lang="en-US" altLang="ko-KR" sz="1200" dirty="0">
+                <a:solidFill>
+                  <a:srgbClr val="FF0000"/>
+                </a:solidFill>
+              </a:rPr>
+              <a:t>-&gt; </a:t>
+            </a:r>
+            <a:r>
+              <a:rPr lang="ko-KR" altLang="en-US" sz="1200" dirty="0">
+                <a:solidFill>
+                  <a:srgbClr val="FF0000"/>
+                </a:solidFill>
+              </a:rPr>
+              <a:t>벤치마킹하기 적절치 않음</a:t>
+            </a:r>
+            <a:endParaRPr lang="en-US" altLang="ko-KR" sz="1200" dirty="0">
+              <a:solidFill>
+                <a:srgbClr val="FF0000"/>
+              </a:solidFill>
+            </a:endParaRPr>
+          </a:p>
+        </p:txBody>
+      </p:sp>
+      <p:sp>
+        <p:nvSpPr>
+          <p:cNvPr id="12" name="AutoShape 6" descr="포스터">
+            <a:extLst>
+              <a:ext uri="{FF2B5EF4-FFF2-40B4-BE49-F238E27FC236}">
+                <a16:creationId xmlns:a16="http://schemas.microsoft.com/office/drawing/2014/main" id="{3723276E-AEFD-4294-8131-B987FF51EC13}"/>
+              </a:ext>
+            </a:extLst>
+          </p:cNvPr>
+          <p:cNvSpPr>
+            <a:spLocks noChangeAspect="1" noChangeArrowheads="1"/>
+          </p:cNvSpPr>
+          <p:nvPr/>
+        </p:nvSpPr>
+        <p:spPr bwMode="auto">
+          <a:xfrm>
+            <a:off x="5943600" y="3276600"/>
+            <a:ext cx="1137684" cy="1137684"/>
+          </a:xfrm>
+          <a:prstGeom prst="rect">
+            <a:avLst/>
+          </a:prstGeom>
+          <a:noFill/>
+          <a:extLst>
+            <a:ext uri="{909E8E84-426E-40DD-AFC4-6F175D3DCCD1}">
+              <a14:hiddenFill xmlns:a14="http://schemas.microsoft.com/office/drawing/2010/main">
+                <a:solidFill>
+                  <a:srgbClr val="FFFFFF"/>
+                </a:solidFill>
+              </a14:hiddenFill>
+            </a:ext>
+          </a:extLst>
+        </p:spPr>
+        <p:txBody>
+          <a:bodyPr vert="horz" wrap="square" lIns="91440" tIns="45720" rIns="91440" bIns="45720" numCol="1" anchor="t" anchorCtr="0" compatLnSpc="1">
+            <a:prstTxWarp prst="textNoShape">
+              <a:avLst/>
+            </a:prstTxWarp>
+          </a:bodyPr>
+          <a:lstStyle/>
+          <a:p>
+            <a:endParaRPr lang="ko-KR" altLang="en-US"/>
+          </a:p>
+        </p:txBody>
+      </p:sp>
+      <p:pic>
+        <p:nvPicPr>
+          <p:cNvPr id="13" name="그림 12">
+            <a:extLst>
+              <a:ext uri="{FF2B5EF4-FFF2-40B4-BE49-F238E27FC236}">
+                <a16:creationId xmlns:a16="http://schemas.microsoft.com/office/drawing/2014/main" id="{33379C9B-DB73-400E-A5D0-341727FCA374}"/>
+              </a:ext>
+            </a:extLst>
+          </p:cNvPr>
+          <p:cNvPicPr>
+            <a:picLocks noChangeAspect="1"/>
+          </p:cNvPicPr>
+          <p:nvPr/>
+        </p:nvPicPr>
+        <p:blipFill>
+          <a:blip r:embed="rId4"/>
+          <a:stretch>
+            <a:fillRect/>
+          </a:stretch>
+        </p:blipFill>
+        <p:spPr>
+          <a:xfrm>
+            <a:off x="714985" y="1173753"/>
+            <a:ext cx="572266" cy="575518"/>
+          </a:xfrm>
+          <a:prstGeom prst="rect">
+            <a:avLst/>
+          </a:prstGeom>
+        </p:spPr>
+      </p:pic>
+      <p:sp>
+        <p:nvSpPr>
+          <p:cNvPr id="14" name="AutoShape 8" descr="포스터">
+            <a:extLst>
+              <a:ext uri="{FF2B5EF4-FFF2-40B4-BE49-F238E27FC236}">
+                <a16:creationId xmlns:a16="http://schemas.microsoft.com/office/drawing/2014/main" id="{90C29268-B6ED-4CE0-8026-44529DC25861}"/>
+              </a:ext>
+            </a:extLst>
+          </p:cNvPr>
+          <p:cNvSpPr>
+            <a:spLocks noChangeAspect="1" noChangeArrowheads="1"/>
+          </p:cNvSpPr>
+          <p:nvPr/>
+        </p:nvSpPr>
+        <p:spPr bwMode="auto">
+          <a:xfrm>
+            <a:off x="5943600" y="3276600"/>
+            <a:ext cx="304800" cy="304800"/>
+          </a:xfrm>
+          <a:prstGeom prst="rect">
+            <a:avLst/>
+          </a:prstGeom>
+          <a:noFill/>
+          <a:extLst>
+            <a:ext uri="{909E8E84-426E-40DD-AFC4-6F175D3DCCD1}">
+              <a14:hiddenFill xmlns:a14="http://schemas.microsoft.com/office/drawing/2010/main">
+                <a:solidFill>
+                  <a:srgbClr val="FFFFFF"/>
+                </a:solidFill>
+              </a14:hiddenFill>
+            </a:ext>
+          </a:extLst>
+        </p:spPr>
+        <p:txBody>
+          <a:bodyPr vert="horz" wrap="square" lIns="91440" tIns="45720" rIns="91440" bIns="45720" numCol="1" anchor="t" anchorCtr="0" compatLnSpc="1">
+            <a:prstTxWarp prst="textNoShape">
+              <a:avLst/>
+            </a:prstTxWarp>
+          </a:bodyPr>
+          <a:lstStyle/>
+          <a:p>
+            <a:endParaRPr lang="ko-KR" altLang="en-US"/>
+          </a:p>
+        </p:txBody>
+      </p:sp>
+      <p:pic>
+        <p:nvPicPr>
+          <p:cNvPr id="15" name="그림 14">
+            <a:extLst>
+              <a:ext uri="{FF2B5EF4-FFF2-40B4-BE49-F238E27FC236}">
+                <a16:creationId xmlns:a16="http://schemas.microsoft.com/office/drawing/2014/main" id="{9A5CFF48-D787-4DE8-899A-79B490EA5EB0}"/>
+              </a:ext>
+            </a:extLst>
+          </p:cNvPr>
+          <p:cNvPicPr>
+            <a:picLocks noChangeAspect="1"/>
+          </p:cNvPicPr>
+          <p:nvPr/>
+        </p:nvPicPr>
+        <p:blipFill>
+          <a:blip r:embed="rId5"/>
+          <a:stretch>
+            <a:fillRect/>
+          </a:stretch>
+        </p:blipFill>
+        <p:spPr>
+          <a:xfrm>
+            <a:off x="6405631" y="1163779"/>
+            <a:ext cx="572265" cy="595465"/>
+          </a:xfrm>
+          <a:prstGeom prst="rect">
+            <a:avLst/>
+          </a:prstGeom>
+        </p:spPr>
+      </p:pic>
+      <p:pic>
+        <p:nvPicPr>
+          <p:cNvPr id="16" name="그림 15">
+            <a:extLst>
+              <a:ext uri="{FF2B5EF4-FFF2-40B4-BE49-F238E27FC236}">
+                <a16:creationId xmlns:a16="http://schemas.microsoft.com/office/drawing/2014/main" id="{8519ED78-E0D2-4FD6-BEA4-DEEB52F58541}"/>
+              </a:ext>
+            </a:extLst>
+          </p:cNvPr>
+          <p:cNvPicPr>
+            <a:picLocks noChangeAspect="1"/>
+          </p:cNvPicPr>
+          <p:nvPr/>
+        </p:nvPicPr>
+        <p:blipFill>
+          <a:blip r:embed="rId6"/>
+          <a:stretch>
+            <a:fillRect/>
+          </a:stretch>
+        </p:blipFill>
+        <p:spPr>
+          <a:xfrm>
+            <a:off x="5330071" y="1723122"/>
+            <a:ext cx="1647825" cy="523875"/>
+          </a:xfrm>
+          <a:prstGeom prst="rect">
+            <a:avLst/>
+          </a:prstGeom>
+        </p:spPr>
+      </p:pic>
+      <p:sp>
+        <p:nvSpPr>
+          <p:cNvPr id="17" name="직사각형 16">
+            <a:extLst>
+              <a:ext uri="{FF2B5EF4-FFF2-40B4-BE49-F238E27FC236}">
+                <a16:creationId xmlns:a16="http://schemas.microsoft.com/office/drawing/2014/main" id="{8EBC04BD-D616-4B1C-891E-8DBB1B18B488}"/>
+              </a:ext>
+            </a:extLst>
+          </p:cNvPr>
+          <p:cNvSpPr/>
+          <p:nvPr/>
+        </p:nvSpPr>
+        <p:spPr>
+          <a:xfrm>
+            <a:off x="9343143" y="6596390"/>
+            <a:ext cx="2848857" cy="261610"/>
+          </a:xfrm>
+          <a:prstGeom prst="rect">
+            <a:avLst/>
+          </a:prstGeom>
+        </p:spPr>
+        <p:txBody>
+          <a:bodyPr wrap="none">
+            <a:spAutoFit/>
+          </a:bodyPr>
+          <a:lstStyle/>
+          <a:p>
+            <a:r>
+              <a:rPr lang="en-US" altLang="ko-KR" sz="1100" dirty="0">
+                <a:hlinkClick r:id="rId7"/>
+              </a:rPr>
+              <a:t>https://earth911.com/advertise/#products</a:t>
+            </a:r>
+            <a:endParaRPr lang="ko-KR" altLang="en-US" sz="1100" dirty="0"/>
+          </a:p>
+        </p:txBody>
+      </p:sp>
+      <p:sp>
+        <p:nvSpPr>
+          <p:cNvPr id="19" name="TextBox 18">
+            <a:extLst>
+              <a:ext uri="{FF2B5EF4-FFF2-40B4-BE49-F238E27FC236}">
+                <a16:creationId xmlns:a16="http://schemas.microsoft.com/office/drawing/2014/main" id="{F7ED7B39-6F91-4ACD-ADD6-CBF1039E2854}"/>
+              </a:ext>
+            </a:extLst>
+          </p:cNvPr>
+          <p:cNvSpPr txBox="1"/>
+          <p:nvPr/>
+        </p:nvSpPr>
+        <p:spPr>
+          <a:xfrm>
+            <a:off x="5330071" y="5658098"/>
+            <a:ext cx="6773008" cy="1015663"/>
+          </a:xfrm>
+          <a:prstGeom prst="rect">
+            <a:avLst/>
+          </a:prstGeom>
+          <a:noFill/>
+        </p:spPr>
+        <p:txBody>
+          <a:bodyPr wrap="none" rtlCol="0">
+            <a:spAutoFit/>
+          </a:bodyPr>
+          <a:lstStyle/>
+          <a:p>
+            <a:r>
+              <a:rPr lang="en-US" altLang="ko-KR" sz="1200" b="1" dirty="0">
+                <a:latin typeface="+mj-lt"/>
+              </a:rPr>
+              <a:t>Forest:</a:t>
+            </a:r>
+            <a:r>
+              <a:rPr lang="ko-KR" altLang="en-US" sz="1200" b="1" dirty="0">
+                <a:latin typeface="+mj-lt"/>
+              </a:rPr>
+              <a:t> </a:t>
+            </a:r>
+            <a:r>
+              <a:rPr lang="en-US" altLang="ko-KR" sz="1200" b="1" dirty="0">
+                <a:latin typeface="+mj-lt"/>
+              </a:rPr>
+              <a:t>Stay</a:t>
+            </a:r>
+            <a:r>
+              <a:rPr lang="ko-KR" altLang="en-US" sz="1200" b="1" dirty="0">
+                <a:latin typeface="+mj-lt"/>
+              </a:rPr>
+              <a:t> </a:t>
+            </a:r>
+            <a:r>
+              <a:rPr lang="en-US" altLang="ko-KR" sz="1200" b="1" dirty="0">
+                <a:latin typeface="+mj-lt"/>
+              </a:rPr>
+              <a:t>focused</a:t>
+            </a:r>
+            <a:r>
+              <a:rPr lang="ko-KR" altLang="en-US" sz="1200" b="1" dirty="0">
+                <a:latin typeface="+mj-lt"/>
+              </a:rPr>
+              <a:t>는 관련 정보가 너무 없어서 기각</a:t>
+            </a:r>
+            <a:endParaRPr lang="en-US" altLang="ko-KR" sz="1200" b="1" dirty="0">
+              <a:latin typeface="+mj-lt"/>
+            </a:endParaRPr>
+          </a:p>
+          <a:p>
+            <a:r>
+              <a:rPr lang="ko-KR" altLang="en-US" sz="1200" b="1" dirty="0">
+                <a:latin typeface="+mj-lt"/>
+              </a:rPr>
+              <a:t>정보제공 기준 괜찮은 앱인 </a:t>
+            </a:r>
+            <a:r>
+              <a:rPr lang="en-US" altLang="ko-KR" sz="1200" b="1" dirty="0" err="1">
+                <a:latin typeface="+mj-lt"/>
+              </a:rPr>
+              <a:t>iRecycle</a:t>
+            </a:r>
+            <a:r>
+              <a:rPr lang="ko-KR" altLang="en-US" sz="1200" b="1" dirty="0">
+                <a:latin typeface="+mj-lt"/>
+              </a:rPr>
+              <a:t>을 조사 대상으로 선정</a:t>
+            </a:r>
+            <a:endParaRPr lang="en-US" altLang="ko-KR" sz="1200" b="1" dirty="0">
+              <a:latin typeface="+mj-lt"/>
+            </a:endParaRPr>
+          </a:p>
+          <a:p>
+            <a:r>
+              <a:rPr lang="ko-KR" altLang="en-US" sz="1200" b="1" dirty="0">
+                <a:solidFill>
+                  <a:srgbClr val="0070C0"/>
+                </a:solidFill>
+                <a:latin typeface="+mj-lt"/>
+              </a:rPr>
+              <a:t>파랑 글씨</a:t>
+            </a:r>
+            <a:r>
+              <a:rPr lang="en-US" altLang="ko-KR" sz="1200" b="1" dirty="0">
+                <a:solidFill>
+                  <a:srgbClr val="0070C0"/>
+                </a:solidFill>
+                <a:latin typeface="+mj-lt"/>
+              </a:rPr>
+              <a:t>: </a:t>
+            </a:r>
+            <a:r>
+              <a:rPr lang="ko-KR" altLang="en-US" sz="1200" b="1" dirty="0">
+                <a:solidFill>
+                  <a:srgbClr val="0070C0"/>
+                </a:solidFill>
+                <a:latin typeface="+mj-lt"/>
+              </a:rPr>
+              <a:t>장점</a:t>
+            </a:r>
+            <a:endParaRPr lang="en-US" altLang="ko-KR" sz="1200" b="1" dirty="0">
+              <a:solidFill>
+                <a:srgbClr val="0070C0"/>
+              </a:solidFill>
+              <a:latin typeface="+mj-lt"/>
+            </a:endParaRPr>
+          </a:p>
+          <a:p>
+            <a:r>
+              <a:rPr lang="ko-KR" altLang="en-US" sz="1200" b="1" dirty="0">
+                <a:solidFill>
+                  <a:srgbClr val="FF0000"/>
+                </a:solidFill>
+                <a:latin typeface="+mj-lt"/>
+              </a:rPr>
+              <a:t>빨강 글씨</a:t>
+            </a:r>
+            <a:r>
+              <a:rPr lang="en-US" altLang="ko-KR" sz="1200" b="1" dirty="0">
+                <a:solidFill>
+                  <a:srgbClr val="FF0000"/>
+                </a:solidFill>
+                <a:latin typeface="+mj-lt"/>
+              </a:rPr>
+              <a:t>: </a:t>
+            </a:r>
+            <a:r>
+              <a:rPr lang="ko-KR" altLang="en-US" sz="1200" b="1" dirty="0">
+                <a:solidFill>
+                  <a:srgbClr val="FF0000"/>
+                </a:solidFill>
+                <a:latin typeface="+mj-lt"/>
+              </a:rPr>
+              <a:t>단점</a:t>
+            </a:r>
+            <a:endParaRPr lang="en-US" altLang="ko-KR" sz="1200" b="1" dirty="0">
+              <a:solidFill>
+                <a:srgbClr val="FF0000"/>
+              </a:solidFill>
+              <a:latin typeface="+mj-lt"/>
+            </a:endParaRPr>
+          </a:p>
+          <a:p>
+            <a:r>
+              <a:rPr lang="ko-KR" altLang="en-US" sz="1200" b="1" dirty="0">
+                <a:latin typeface="+mj-lt"/>
+              </a:rPr>
+              <a:t>분석은 이정도로 하고 여기 장점들 </a:t>
+            </a:r>
+            <a:r>
+              <a:rPr lang="en-US" altLang="ko-KR" sz="1200" b="1" dirty="0">
+                <a:latin typeface="+mj-lt"/>
+              </a:rPr>
+              <a:t>+ </a:t>
+            </a:r>
+            <a:r>
+              <a:rPr lang="ko-KR" altLang="en-US" sz="1200" b="1" dirty="0">
+                <a:latin typeface="+mj-lt"/>
+              </a:rPr>
+              <a:t>우리 아이디어 </a:t>
+            </a:r>
+            <a:r>
+              <a:rPr lang="en-US" altLang="ko-KR" sz="1200" b="1" dirty="0">
+                <a:latin typeface="+mj-lt"/>
+              </a:rPr>
+              <a:t>-&gt; </a:t>
+            </a:r>
+            <a:r>
+              <a:rPr lang="ko-KR" altLang="en-US" sz="1200" b="1" dirty="0">
+                <a:latin typeface="+mj-lt"/>
+              </a:rPr>
+              <a:t>우리만의 </a:t>
+            </a:r>
+            <a:r>
+              <a:rPr lang="ko-KR" altLang="en-US" sz="1200" b="1" dirty="0" err="1">
+                <a:latin typeface="+mj-lt"/>
+              </a:rPr>
+              <a:t>차별점</a:t>
+            </a:r>
+            <a:r>
+              <a:rPr lang="ko-KR" altLang="en-US" sz="1200" b="1" dirty="0">
+                <a:latin typeface="+mj-lt"/>
+              </a:rPr>
+              <a:t> 도출 순서로 가면 </a:t>
+            </a:r>
+            <a:r>
+              <a:rPr lang="ko-KR" altLang="en-US" sz="1200" b="1" dirty="0" err="1">
+                <a:latin typeface="+mj-lt"/>
+              </a:rPr>
+              <a:t>될듯</a:t>
+            </a:r>
+            <a:endParaRPr lang="ko-KR" altLang="en-US" sz="1200" b="1" dirty="0">
+              <a:latin typeface="+mj-lt"/>
+            </a:endParaRPr>
+          </a:p>
+        </p:txBody>
+      </p:sp>
+    </p:spTree>
+    <p:extLst>
+      <p:ext uri="{BB962C8B-B14F-4D97-AF65-F5344CB8AC3E}">
+        <p14:creationId xmlns:p14="http://schemas.microsoft.com/office/powerpoint/2010/main" val="1317450094"/>
+      </p:ext>
+    </p:extLst>
+  </p:cSld>
+  <p:clrMapOvr>
+    <a:masterClrMapping/>
+  </p:clrMapOvr>
+</p:sld>
+</file>
+
+<file path=ppt/slides/slide4.xml><?xml version="1.0" encoding="utf-8"?>
+<p:sld xmlns:a="http://schemas.openxmlformats.org/drawingml/2006/main" xmlns:r="http://schemas.openxmlformats.org/officeDocument/2006/relationships" xmlns:p="http://schemas.openxmlformats.org/presentationml/2006/main">
+  <p:cSld>
+    <p:spTree>
+      <p:nvGrpSpPr>
+        <p:cNvPr id="1" name=""/>
+        <p:cNvGrpSpPr/>
+        <p:nvPr/>
+      </p:nvGrpSpPr>
+      <p:grpSpPr>
+        <a:xfrm>
+          <a:off x="0" y="0"/>
+          <a:ext cx="0" cy="0"/>
+          <a:chOff x="0" y="0"/>
+          <a:chExt cx="0" cy="0"/>
+        </a:xfrm>
+      </p:grpSpPr>
+      <p:pic>
+        <p:nvPicPr>
+          <p:cNvPr id="2050" name="Picture 2" descr="Line graph, prioritizing environment vs. economy, 1984-2018. High 71% environment, ’91; 54% economy, ’11. ’18: 65% environment, 30% economy.">
+            <a:extLst>
+              <a:ext uri="{FF2B5EF4-FFF2-40B4-BE49-F238E27FC236}">
+                <a16:creationId xmlns:a16="http://schemas.microsoft.com/office/drawing/2014/main" id="{0D1DF91A-C708-4F28-9A35-20E92C2C930F}"/>
+              </a:ext>
+            </a:extLst>
+          </p:cNvPr>
+          <p:cNvPicPr>
+            <a:picLocks noChangeAspect="1" noChangeArrowheads="1"/>
+          </p:cNvPicPr>
+          <p:nvPr/>
+        </p:nvPicPr>
+        <p:blipFill rotWithShape="1">
+          <a:blip r:embed="rId2">
+            <a:extLst>
+              <a:ext uri="{28A0092B-C50C-407E-A947-70E740481C1C}">
+                <a14:useLocalDpi xmlns:a14="http://schemas.microsoft.com/office/drawing/2010/main" val="0"/>
+              </a:ext>
+            </a:extLst>
+          </a:blip>
+          <a:srcRect t="25442" b="11133"/>
+          <a:stretch/>
+        </p:blipFill>
+        <p:spPr bwMode="auto">
+          <a:xfrm>
+            <a:off x="6482315" y="2791580"/>
+            <a:ext cx="5572857" cy="1944019"/>
+          </a:xfrm>
+          <a:prstGeom prst="rect">
+            <a:avLst/>
+          </a:prstGeom>
+          <a:noFill/>
+          <a:extLst>
+            <a:ext uri="{909E8E84-426E-40DD-AFC4-6F175D3DCCD1}">
+              <a14:hiddenFill xmlns:a14="http://schemas.microsoft.com/office/drawing/2010/main">
+                <a:solidFill>
+                  <a:srgbClr val="FFFFFF"/>
+                </a:solidFill>
+              </a14:hiddenFill>
+            </a:ext>
+          </a:extLst>
+        </p:spPr>
+      </p:pic>
+      <p:sp>
+        <p:nvSpPr>
+          <p:cNvPr id="4" name="직사각형 3">
+            <a:extLst>
+              <a:ext uri="{FF2B5EF4-FFF2-40B4-BE49-F238E27FC236}">
+                <a16:creationId xmlns:a16="http://schemas.microsoft.com/office/drawing/2014/main" id="{F3B824FF-7729-455E-A67C-E41095D3779E}"/>
+              </a:ext>
+            </a:extLst>
+          </p:cNvPr>
+          <p:cNvSpPr/>
+          <p:nvPr/>
+        </p:nvSpPr>
+        <p:spPr>
+          <a:xfrm>
+            <a:off x="8647440" y="6596390"/>
+            <a:ext cx="3544560" cy="261610"/>
+          </a:xfrm>
+          <a:prstGeom prst="rect">
+            <a:avLst/>
+          </a:prstGeom>
+        </p:spPr>
+        <p:txBody>
+          <a:bodyPr wrap="none">
+            <a:spAutoFit/>
+          </a:bodyPr>
+          <a:lstStyle/>
+          <a:p>
+            <a:r>
+              <a:rPr lang="en-US" altLang="ko-KR" sz="1100" dirty="0">
+                <a:hlinkClick r:id="rId3"/>
+              </a:rPr>
+              <a:t>https://news.gallup.com/poll/1615/environment.aspx</a:t>
+            </a:r>
+            <a:endParaRPr lang="ko-KR" altLang="en-US" sz="1100" dirty="0"/>
+          </a:p>
+        </p:txBody>
+      </p:sp>
+      <p:pic>
+        <p:nvPicPr>
+          <p:cNvPr id="2052" name="Picture 4" descr="Line graph, seriousness of global warming, 1997-2018. High 48% exaggerated, ’10; 42% underestimated, ’19. ’18: 35% exagger., 42% underest.">
+            <a:extLst>
+              <a:ext uri="{FF2B5EF4-FFF2-40B4-BE49-F238E27FC236}">
+                <a16:creationId xmlns:a16="http://schemas.microsoft.com/office/drawing/2014/main" id="{5AB0CE1A-F798-44E6-9AB2-984B67229533}"/>
+              </a:ext>
+            </a:extLst>
+          </p:cNvPr>
+          <p:cNvPicPr>
+            <a:picLocks noChangeAspect="1" noChangeArrowheads="1"/>
+          </p:cNvPicPr>
+          <p:nvPr/>
+        </p:nvPicPr>
+        <p:blipFill rotWithShape="1">
+          <a:blip r:embed="rId4">
+            <a:extLst>
+              <a:ext uri="{28A0092B-C50C-407E-A947-70E740481C1C}">
+                <a14:useLocalDpi xmlns:a14="http://schemas.microsoft.com/office/drawing/2010/main" val="0"/>
+              </a:ext>
+            </a:extLst>
+          </a:blip>
+          <a:srcRect t="25335" b="11241"/>
+          <a:stretch/>
+        </p:blipFill>
+        <p:spPr bwMode="auto">
+          <a:xfrm>
+            <a:off x="136826" y="2791581"/>
+            <a:ext cx="5572857" cy="1944019"/>
+          </a:xfrm>
+          <a:prstGeom prst="rect">
+            <a:avLst/>
+          </a:prstGeom>
+          <a:noFill/>
+          <a:extLst>
+            <a:ext uri="{909E8E84-426E-40DD-AFC4-6F175D3DCCD1}">
+              <a14:hiddenFill xmlns:a14="http://schemas.microsoft.com/office/drawing/2010/main">
+                <a:solidFill>
+                  <a:srgbClr val="FFFFFF"/>
+                </a:solidFill>
+              </a14:hiddenFill>
+            </a:ext>
+          </a:extLst>
+        </p:spPr>
+      </p:pic>
+      <p:sp>
+        <p:nvSpPr>
+          <p:cNvPr id="7" name="TextBox 6">
+            <a:extLst>
+              <a:ext uri="{FF2B5EF4-FFF2-40B4-BE49-F238E27FC236}">
+                <a16:creationId xmlns:a16="http://schemas.microsoft.com/office/drawing/2014/main" id="{845555F0-9BDB-44F7-9BB2-E94073D1F725}"/>
+              </a:ext>
+            </a:extLst>
+          </p:cNvPr>
+          <p:cNvSpPr txBox="1"/>
+          <p:nvPr/>
+        </p:nvSpPr>
+        <p:spPr>
+          <a:xfrm>
+            <a:off x="308344" y="446567"/>
+            <a:ext cx="3996607" cy="369332"/>
+          </a:xfrm>
+          <a:prstGeom prst="rect">
+            <a:avLst/>
+          </a:prstGeom>
+          <a:noFill/>
+        </p:spPr>
+        <p:txBody>
+          <a:bodyPr wrap="none" rtlCol="0">
+            <a:spAutoFit/>
+          </a:bodyPr>
+          <a:lstStyle/>
+          <a:p>
+            <a:r>
+              <a:rPr lang="en-US" altLang="ko-KR" dirty="0">
+                <a:latin typeface="+mj-lt"/>
+              </a:rPr>
+              <a:t>2. </a:t>
+            </a:r>
+            <a:r>
+              <a:rPr lang="ko-KR" altLang="en-US" dirty="0">
+                <a:latin typeface="+mj-lt"/>
+              </a:rPr>
+              <a:t>고객</a:t>
+            </a:r>
+            <a:r>
+              <a:rPr lang="en-US" altLang="ko-KR" dirty="0">
+                <a:latin typeface="+mj-lt"/>
+              </a:rPr>
+              <a:t> / </a:t>
+            </a:r>
+            <a:r>
+              <a:rPr lang="ko-KR" altLang="en-US" dirty="0">
+                <a:latin typeface="+mj-lt"/>
+              </a:rPr>
+              <a:t>사용자</a:t>
+            </a:r>
+            <a:r>
+              <a:rPr lang="en-US" altLang="ko-KR" dirty="0">
+                <a:latin typeface="+mj-lt"/>
+              </a:rPr>
+              <a:t>: </a:t>
+            </a:r>
+            <a:r>
+              <a:rPr lang="ko-KR" altLang="en-US" dirty="0">
+                <a:latin typeface="+mj-lt"/>
+              </a:rPr>
+              <a:t>사람들의 인식 조사</a:t>
+            </a:r>
+          </a:p>
+        </p:txBody>
+      </p:sp>
+      <p:sp>
+        <p:nvSpPr>
+          <p:cNvPr id="8" name="TextBox 7">
+            <a:extLst>
+              <a:ext uri="{FF2B5EF4-FFF2-40B4-BE49-F238E27FC236}">
+                <a16:creationId xmlns:a16="http://schemas.microsoft.com/office/drawing/2014/main" id="{6FAD9321-5330-4183-9560-F8D706E56D84}"/>
+              </a:ext>
+            </a:extLst>
+          </p:cNvPr>
+          <p:cNvSpPr txBox="1"/>
+          <p:nvPr/>
+        </p:nvSpPr>
+        <p:spPr>
+          <a:xfrm>
+            <a:off x="734475" y="937162"/>
+            <a:ext cx="10723047" cy="523220"/>
+          </a:xfrm>
+          <a:prstGeom prst="rect">
+            <a:avLst/>
+          </a:prstGeom>
+          <a:noFill/>
+        </p:spPr>
+        <p:txBody>
+          <a:bodyPr wrap="square" rtlCol="0">
+            <a:spAutoFit/>
+          </a:bodyPr>
+          <a:lstStyle/>
+          <a:p>
+            <a:r>
+              <a:rPr lang="ko-KR" altLang="en-US" sz="1400" dirty="0">
+                <a:latin typeface="+mj-lt"/>
+              </a:rPr>
+              <a:t>환경 모니터링</a:t>
+            </a:r>
+            <a:r>
+              <a:rPr lang="en-US" altLang="ko-KR" sz="1400" dirty="0">
+                <a:latin typeface="+mj-lt"/>
+              </a:rPr>
+              <a:t>(</a:t>
+            </a:r>
+            <a:r>
+              <a:rPr lang="ko-KR" altLang="en-US" sz="1400" dirty="0">
+                <a:latin typeface="+mj-lt"/>
+              </a:rPr>
+              <a:t>감시 </a:t>
+            </a:r>
+            <a:r>
+              <a:rPr lang="en-US" altLang="ko-KR" sz="1400" dirty="0">
+                <a:latin typeface="+mj-lt"/>
+              </a:rPr>
+              <a:t>/ </a:t>
+            </a:r>
+            <a:r>
+              <a:rPr lang="ko-KR" altLang="en-US" sz="1400" dirty="0">
+                <a:latin typeface="+mj-lt"/>
+              </a:rPr>
+              <a:t>제어</a:t>
+            </a:r>
+            <a:r>
+              <a:rPr lang="en-US" altLang="ko-KR" sz="1400" dirty="0">
+                <a:latin typeface="+mj-lt"/>
+              </a:rPr>
+              <a:t> / </a:t>
+            </a:r>
+            <a:r>
+              <a:rPr lang="ko-KR" altLang="en-US" sz="1400" dirty="0">
+                <a:latin typeface="+mj-lt"/>
+              </a:rPr>
+              <a:t>관련</a:t>
+            </a:r>
+            <a:r>
+              <a:rPr lang="en-US" altLang="ko-KR" sz="1400" dirty="0">
+                <a:latin typeface="+mj-lt"/>
+              </a:rPr>
+              <a:t>)</a:t>
+            </a:r>
+            <a:r>
+              <a:rPr lang="ko-KR" altLang="en-US" sz="1400" dirty="0">
+                <a:latin typeface="+mj-lt"/>
+              </a:rPr>
+              <a:t> 시장 규모 </a:t>
+            </a:r>
+            <a:endParaRPr lang="en-US" altLang="ko-KR" sz="1400" dirty="0">
+              <a:latin typeface="+mj-lt"/>
+            </a:endParaRPr>
+          </a:p>
+          <a:p>
+            <a:r>
+              <a:rPr lang="en-US" altLang="ko-KR" sz="1400" dirty="0">
+                <a:latin typeface="+mj-lt"/>
+              </a:rPr>
+              <a:t> -</a:t>
+            </a:r>
+            <a:r>
+              <a:rPr lang="ko-KR" altLang="en-US" sz="1400" dirty="0">
+                <a:latin typeface="+mj-lt"/>
+              </a:rPr>
+              <a:t> </a:t>
+            </a:r>
+            <a:r>
+              <a:rPr lang="en-US" altLang="ko-KR" sz="1400" dirty="0">
+                <a:latin typeface="+mj-lt"/>
+              </a:rPr>
+              <a:t>by</a:t>
+            </a:r>
+            <a:r>
+              <a:rPr lang="ko-KR" altLang="en-US" sz="1400" dirty="0">
+                <a:latin typeface="+mj-lt"/>
+              </a:rPr>
+              <a:t> 갤럽</a:t>
+            </a:r>
+            <a:r>
+              <a:rPr lang="en-US" altLang="ko-KR" sz="1400" dirty="0">
+                <a:latin typeface="+mj-lt"/>
+              </a:rPr>
+              <a:t>(GALLUP): </a:t>
+            </a:r>
+            <a:r>
+              <a:rPr lang="ko-KR" altLang="en-US" sz="1400" dirty="0">
+                <a:latin typeface="+mj-lt"/>
+              </a:rPr>
+              <a:t>여론 조사 및 컨설팅 기업</a:t>
+            </a:r>
+            <a:r>
+              <a:rPr lang="en-US" altLang="ko-KR" sz="1400" dirty="0">
+                <a:latin typeface="+mj-lt"/>
+              </a:rPr>
+              <a:t>(</a:t>
+            </a:r>
+            <a:r>
+              <a:rPr lang="ko-KR" altLang="en-US" sz="1400" dirty="0">
+                <a:latin typeface="+mj-lt"/>
+              </a:rPr>
+              <a:t>미국</a:t>
+            </a:r>
+            <a:r>
+              <a:rPr lang="en-US" altLang="ko-KR" sz="1400" dirty="0">
+                <a:latin typeface="+mj-lt"/>
+              </a:rPr>
+              <a:t>)</a:t>
+            </a:r>
+          </a:p>
+        </p:txBody>
+      </p:sp>
+      <p:sp>
+        <p:nvSpPr>
+          <p:cNvPr id="5" name="직사각형 4">
+            <a:extLst>
+              <a:ext uri="{FF2B5EF4-FFF2-40B4-BE49-F238E27FC236}">
+                <a16:creationId xmlns:a16="http://schemas.microsoft.com/office/drawing/2014/main" id="{E7ECAF0D-D84C-40CF-8670-F2D0AE10A300}"/>
+              </a:ext>
+            </a:extLst>
+          </p:cNvPr>
+          <p:cNvSpPr/>
+          <p:nvPr/>
+        </p:nvSpPr>
+        <p:spPr>
+          <a:xfrm>
+            <a:off x="136826" y="1503700"/>
+            <a:ext cx="3897221" cy="830997"/>
+          </a:xfrm>
+          <a:prstGeom prst="rect">
+            <a:avLst/>
+          </a:prstGeom>
+        </p:spPr>
+        <p:txBody>
+          <a:bodyPr wrap="none">
+            <a:spAutoFit/>
+          </a:bodyPr>
+          <a:lstStyle/>
+          <a:p>
+            <a:pPr marL="342900" indent="-342900">
+              <a:buAutoNum type="arabicPeriod"/>
+            </a:pPr>
+            <a:r>
+              <a:rPr lang="ko-KR" altLang="en-US" sz="1200" dirty="0">
+                <a:latin typeface="+mj-lt"/>
+              </a:rPr>
+              <a:t>현재 지구온난화에 대해서 어떻게 생각하십니까</a:t>
+            </a:r>
+            <a:r>
+              <a:rPr lang="en-US" altLang="ko-KR" sz="1200" dirty="0">
+                <a:latin typeface="+mj-lt"/>
+              </a:rPr>
+              <a:t>?</a:t>
+            </a:r>
+          </a:p>
+          <a:p>
+            <a:pPr marL="800100" lvl="1" indent="-342900">
+              <a:buAutoNum type="arabicPeriod"/>
+            </a:pPr>
+            <a:r>
+              <a:rPr lang="ko-KR" altLang="en-US" sz="1200" b="1" dirty="0">
+                <a:solidFill>
+                  <a:srgbClr val="92D050"/>
+                </a:solidFill>
+                <a:latin typeface="+mj-lt"/>
+              </a:rPr>
+              <a:t>과장되었다</a:t>
+            </a:r>
+            <a:endParaRPr lang="en-US" altLang="ko-KR" sz="1200" b="1" dirty="0">
+              <a:solidFill>
+                <a:srgbClr val="92D050"/>
+              </a:solidFill>
+              <a:latin typeface="+mj-lt"/>
+            </a:endParaRPr>
+          </a:p>
+          <a:p>
+            <a:pPr marL="800100" lvl="1" indent="-342900">
+              <a:buAutoNum type="arabicPeriod"/>
+            </a:pPr>
+            <a:r>
+              <a:rPr lang="ko-KR" altLang="en-US" sz="1200" b="1" dirty="0">
+                <a:solidFill>
+                  <a:schemeClr val="accent6">
+                    <a:lumMod val="75000"/>
+                  </a:schemeClr>
+                </a:solidFill>
+                <a:latin typeface="+mj-lt"/>
+              </a:rPr>
+              <a:t>정확하다</a:t>
+            </a:r>
+            <a:endParaRPr lang="en-US" altLang="ko-KR" sz="1200" b="1" dirty="0">
+              <a:solidFill>
+                <a:schemeClr val="accent6">
+                  <a:lumMod val="75000"/>
+                </a:schemeClr>
+              </a:solidFill>
+              <a:latin typeface="+mj-lt"/>
+            </a:endParaRPr>
+          </a:p>
+          <a:p>
+            <a:pPr marL="800100" lvl="1" indent="-342900">
+              <a:buAutoNum type="arabicPeriod"/>
+            </a:pPr>
+            <a:r>
+              <a:rPr lang="ko-KR" altLang="en-US" sz="1200" b="1" dirty="0">
+                <a:solidFill>
+                  <a:schemeClr val="tx1">
+                    <a:lumMod val="65000"/>
+                    <a:lumOff val="35000"/>
+                  </a:schemeClr>
+                </a:solidFill>
+                <a:latin typeface="+mj-lt"/>
+              </a:rPr>
+              <a:t>과소평가 되었다</a:t>
+            </a:r>
+            <a:endParaRPr lang="en-US" altLang="ko-KR" sz="1200" b="1" dirty="0">
+              <a:solidFill>
+                <a:schemeClr val="tx1">
+                  <a:lumMod val="65000"/>
+                  <a:lumOff val="35000"/>
+                </a:schemeClr>
+              </a:solidFill>
+              <a:latin typeface="+mj-lt"/>
+            </a:endParaRPr>
+          </a:p>
+        </p:txBody>
+      </p:sp>
+      <p:sp>
+        <p:nvSpPr>
+          <p:cNvPr id="10" name="직사각형 9">
+            <a:extLst>
+              <a:ext uri="{FF2B5EF4-FFF2-40B4-BE49-F238E27FC236}">
+                <a16:creationId xmlns:a16="http://schemas.microsoft.com/office/drawing/2014/main" id="{1E296E77-AC2F-44EC-A638-1AE8DB5AABA4}"/>
+              </a:ext>
+            </a:extLst>
+          </p:cNvPr>
+          <p:cNvSpPr/>
+          <p:nvPr/>
+        </p:nvSpPr>
+        <p:spPr>
+          <a:xfrm>
+            <a:off x="6482315" y="1503700"/>
+            <a:ext cx="3490058" cy="646331"/>
+          </a:xfrm>
+          <a:prstGeom prst="rect">
+            <a:avLst/>
+          </a:prstGeom>
+        </p:spPr>
+        <p:txBody>
+          <a:bodyPr wrap="none">
+            <a:spAutoFit/>
+          </a:bodyPr>
+          <a:lstStyle/>
+          <a:p>
+            <a:pPr marL="342900" indent="-342900">
+              <a:buAutoNum type="arabicPeriod"/>
+            </a:pPr>
+            <a:r>
+              <a:rPr lang="ko-KR" altLang="en-US" sz="1200" dirty="0">
+                <a:latin typeface="+mj-lt"/>
+              </a:rPr>
+              <a:t>둘 중 무엇이 더 중요하다고 생각하십니까</a:t>
+            </a:r>
+            <a:r>
+              <a:rPr lang="en-US" altLang="ko-KR" sz="1200" dirty="0">
+                <a:latin typeface="+mj-lt"/>
+              </a:rPr>
+              <a:t>?</a:t>
+            </a:r>
+          </a:p>
+          <a:p>
+            <a:pPr marL="800100" lvl="1" indent="-342900">
+              <a:buAutoNum type="arabicPeriod"/>
+            </a:pPr>
+            <a:r>
+              <a:rPr lang="ko-KR" altLang="en-US" sz="1200" b="1" dirty="0">
+                <a:solidFill>
+                  <a:srgbClr val="92D050"/>
+                </a:solidFill>
+                <a:latin typeface="+mj-lt"/>
+              </a:rPr>
+              <a:t>환경 보호</a:t>
+            </a:r>
+            <a:endParaRPr lang="en-US" altLang="ko-KR" sz="1200" b="1" dirty="0">
+              <a:solidFill>
+                <a:srgbClr val="92D050"/>
+              </a:solidFill>
+              <a:latin typeface="+mj-lt"/>
+            </a:endParaRPr>
+          </a:p>
+          <a:p>
+            <a:pPr marL="800100" lvl="1" indent="-342900">
+              <a:buAutoNum type="arabicPeriod"/>
+            </a:pPr>
+            <a:r>
+              <a:rPr lang="ko-KR" altLang="en-US" sz="1200" b="1" dirty="0">
+                <a:solidFill>
+                  <a:schemeClr val="accent6">
+                    <a:lumMod val="75000"/>
+                  </a:schemeClr>
+                </a:solidFill>
+                <a:latin typeface="+mj-lt"/>
+              </a:rPr>
+              <a:t>경제 성장</a:t>
+            </a:r>
+            <a:endParaRPr lang="en-US" altLang="ko-KR" sz="1200" b="1" dirty="0">
+              <a:solidFill>
+                <a:schemeClr val="accent6">
+                  <a:lumMod val="75000"/>
+                </a:schemeClr>
+              </a:solidFill>
+              <a:latin typeface="+mj-lt"/>
+            </a:endParaRPr>
+          </a:p>
+        </p:txBody>
+      </p:sp>
+      <p:sp>
+        <p:nvSpPr>
+          <p:cNvPr id="11" name="직사각형 10">
+            <a:extLst>
+              <a:ext uri="{FF2B5EF4-FFF2-40B4-BE49-F238E27FC236}">
+                <a16:creationId xmlns:a16="http://schemas.microsoft.com/office/drawing/2014/main" id="{55A86D87-3691-47B7-BDF1-D0141D28BC5B}"/>
+              </a:ext>
+            </a:extLst>
+          </p:cNvPr>
+          <p:cNvSpPr/>
+          <p:nvPr/>
+        </p:nvSpPr>
+        <p:spPr>
+          <a:xfrm>
+            <a:off x="136826" y="2424639"/>
+            <a:ext cx="4479111" cy="276999"/>
+          </a:xfrm>
+          <a:prstGeom prst="rect">
+            <a:avLst/>
+          </a:prstGeom>
+        </p:spPr>
+        <p:txBody>
+          <a:bodyPr wrap="none">
+            <a:spAutoFit/>
+          </a:bodyPr>
+          <a:lstStyle/>
+          <a:p>
+            <a:r>
+              <a:rPr lang="ko-KR" altLang="en-US" sz="1200" dirty="0">
+                <a:latin typeface="+mj-lt"/>
+              </a:rPr>
+              <a:t>핵심</a:t>
+            </a:r>
+            <a:r>
+              <a:rPr lang="en-US" altLang="ko-KR" sz="1200" dirty="0">
+                <a:latin typeface="+mj-lt"/>
+              </a:rPr>
+              <a:t>: 2010</a:t>
+            </a:r>
+            <a:r>
+              <a:rPr lang="ko-KR" altLang="en-US" sz="1200" dirty="0">
+                <a:latin typeface="+mj-lt"/>
+              </a:rPr>
+              <a:t>년대 이후 환경보호에 대한 사람들의 관심이 증가함</a:t>
+            </a:r>
+            <a:endParaRPr lang="en-US" altLang="ko-KR" sz="1200" dirty="0">
+              <a:latin typeface="+mj-lt"/>
+            </a:endParaRPr>
+          </a:p>
+        </p:txBody>
+      </p:sp>
+      <p:sp>
+        <p:nvSpPr>
+          <p:cNvPr id="12" name="직사각형 11">
+            <a:extLst>
+              <a:ext uri="{FF2B5EF4-FFF2-40B4-BE49-F238E27FC236}">
+                <a16:creationId xmlns:a16="http://schemas.microsoft.com/office/drawing/2014/main" id="{B2150134-66F4-4944-8E2D-5D43A4207DEC}"/>
+              </a:ext>
+            </a:extLst>
+          </p:cNvPr>
+          <p:cNvSpPr/>
+          <p:nvPr/>
+        </p:nvSpPr>
+        <p:spPr>
+          <a:xfrm>
+            <a:off x="6482315" y="2424639"/>
+            <a:ext cx="5303055" cy="276999"/>
+          </a:xfrm>
+          <a:prstGeom prst="rect">
+            <a:avLst/>
+          </a:prstGeom>
+        </p:spPr>
+        <p:txBody>
+          <a:bodyPr wrap="none">
+            <a:spAutoFit/>
+          </a:bodyPr>
+          <a:lstStyle/>
+          <a:p>
+            <a:r>
+              <a:rPr lang="ko-KR" altLang="en-US" sz="1200" dirty="0">
+                <a:latin typeface="+mj-lt"/>
+              </a:rPr>
+              <a:t>핵심</a:t>
+            </a:r>
+            <a:r>
+              <a:rPr lang="en-US" altLang="ko-KR" sz="1200" dirty="0">
+                <a:latin typeface="+mj-lt"/>
+              </a:rPr>
+              <a:t>: 2010</a:t>
+            </a:r>
+            <a:r>
+              <a:rPr lang="ko-KR" altLang="en-US" sz="1200" dirty="0">
+                <a:latin typeface="+mj-lt"/>
+              </a:rPr>
+              <a:t>년대 이후 사람들의 인식이 지속적으로 환경보호 방향으로 바뀜</a:t>
+            </a:r>
+            <a:endParaRPr lang="en-US" altLang="ko-KR" sz="1200" dirty="0">
+              <a:latin typeface="+mj-lt"/>
+            </a:endParaRPr>
+          </a:p>
+        </p:txBody>
+      </p:sp>
+      <p:sp>
+        <p:nvSpPr>
+          <p:cNvPr id="13" name="TextBox 12">
+            <a:extLst>
+              <a:ext uri="{FF2B5EF4-FFF2-40B4-BE49-F238E27FC236}">
+                <a16:creationId xmlns:a16="http://schemas.microsoft.com/office/drawing/2014/main" id="{B834F81E-1D7D-4A66-808E-A4019346D2F0}"/>
+              </a:ext>
+            </a:extLst>
+          </p:cNvPr>
+          <p:cNvSpPr txBox="1"/>
+          <p:nvPr/>
+        </p:nvSpPr>
+        <p:spPr>
+          <a:xfrm>
+            <a:off x="7471017" y="5920838"/>
+            <a:ext cx="4458785" cy="461665"/>
+          </a:xfrm>
+          <a:prstGeom prst="rect">
+            <a:avLst/>
+          </a:prstGeom>
+          <a:noFill/>
+        </p:spPr>
+        <p:txBody>
+          <a:bodyPr wrap="none" rtlCol="0">
+            <a:spAutoFit/>
+          </a:bodyPr>
+          <a:lstStyle/>
+          <a:p>
+            <a:r>
+              <a:rPr lang="en-US" altLang="ko-KR" sz="1200" b="1" dirty="0">
+                <a:latin typeface="+mj-lt"/>
+              </a:rPr>
+              <a:t>Report </a:t>
+            </a:r>
+            <a:r>
+              <a:rPr lang="ko-KR" altLang="en-US" sz="1200" b="1" dirty="0">
+                <a:latin typeface="+mj-lt"/>
+              </a:rPr>
+              <a:t>다 훑어봤는데 위 자료 외에는 달리 쓸 만한 자료 없음</a:t>
+            </a:r>
+            <a:endParaRPr lang="en-US" altLang="ko-KR" sz="1200" b="1" dirty="0">
+              <a:latin typeface="+mj-lt"/>
+            </a:endParaRPr>
+          </a:p>
+          <a:p>
+            <a:r>
+              <a:rPr lang="en-US" altLang="ko-KR" sz="1200" b="1" dirty="0">
+                <a:latin typeface="+mj-lt"/>
+              </a:rPr>
+              <a:t>“</a:t>
+            </a:r>
+            <a:r>
+              <a:rPr lang="ko-KR" altLang="en-US" sz="1200" b="1" dirty="0">
+                <a:solidFill>
+                  <a:srgbClr val="FF0000"/>
+                </a:solidFill>
+                <a:latin typeface="+mj-lt"/>
+              </a:rPr>
+              <a:t>환경보호에 대한 사람들의 관심이 증가함</a:t>
+            </a:r>
+            <a:r>
+              <a:rPr lang="en-US" altLang="ko-KR" sz="1200" b="1" dirty="0">
+                <a:latin typeface="+mj-lt"/>
+              </a:rPr>
+              <a:t>”</a:t>
+            </a:r>
+            <a:r>
+              <a:rPr lang="ko-KR" altLang="en-US" sz="1200" b="1" dirty="0">
+                <a:latin typeface="+mj-lt"/>
+              </a:rPr>
+              <a:t> 을 뒷받침</a:t>
+            </a:r>
+          </a:p>
+        </p:txBody>
+      </p:sp>
+    </p:spTree>
+    <p:extLst>
+      <p:ext uri="{BB962C8B-B14F-4D97-AF65-F5344CB8AC3E}">
+        <p14:creationId xmlns:p14="http://schemas.microsoft.com/office/powerpoint/2010/main" val="2266079575"/>
+      </p:ext>
+    </p:extLst>
+  </p:cSld>
+  <p:clrMapOvr>
+    <a:masterClrMapping/>
+  </p:clrMapOvr>
+</p:sld>
+</file>
+
+<file path=ppt/slides/slide5.xml><?xml version="1.0" encoding="utf-8"?>
+<p:sld xmlns:a="http://schemas.openxmlformats.org/drawingml/2006/main" xmlns:r="http://schemas.openxmlformats.org/officeDocument/2006/relationships" xmlns:p="http://schemas.openxmlformats.org/presentationml/2006/main">
+  <p:cSld>
+    <p:spTree>
+      <p:nvGrpSpPr>
+        <p:cNvPr id="1" name=""/>
+        <p:cNvGrpSpPr/>
+        <p:nvPr/>
+      </p:nvGrpSpPr>
+      <p:grpSpPr>
+        <a:xfrm>
+          <a:off x="0" y="0"/>
+          <a:ext cx="0" cy="0"/>
+          <a:chOff x="0" y="0"/>
+          <a:chExt cx="0" cy="0"/>
+        </a:xfrm>
+      </p:grpSpPr>
+      <p:sp>
+        <p:nvSpPr>
+          <p:cNvPr id="4" name="TextBox 3">
+            <a:extLst>
+              <a:ext uri="{FF2B5EF4-FFF2-40B4-BE49-F238E27FC236}">
+                <a16:creationId xmlns:a16="http://schemas.microsoft.com/office/drawing/2014/main" id="{B78C8E87-E0DC-4C6E-82B7-329C6EC44E56}"/>
+              </a:ext>
+            </a:extLst>
+          </p:cNvPr>
+          <p:cNvSpPr txBox="1"/>
+          <p:nvPr/>
+        </p:nvSpPr>
+        <p:spPr>
+          <a:xfrm>
+            <a:off x="308344" y="446567"/>
+            <a:ext cx="6549101" cy="369332"/>
+          </a:xfrm>
+          <a:prstGeom prst="rect">
+            <a:avLst/>
+          </a:prstGeom>
+          <a:noFill/>
+        </p:spPr>
+        <p:txBody>
+          <a:bodyPr wrap="none" rtlCol="0">
+            <a:spAutoFit/>
+          </a:bodyPr>
+          <a:lstStyle/>
+          <a:p>
+            <a:r>
+              <a:rPr lang="en-US" altLang="ko-KR" dirty="0">
+                <a:latin typeface="+mj-lt"/>
+              </a:rPr>
+              <a:t>2. </a:t>
+            </a:r>
+            <a:r>
+              <a:rPr lang="ko-KR" altLang="en-US" dirty="0">
+                <a:latin typeface="+mj-lt"/>
+              </a:rPr>
+              <a:t>고객</a:t>
+            </a:r>
+            <a:r>
+              <a:rPr lang="en-US" altLang="ko-KR" dirty="0">
+                <a:latin typeface="+mj-lt"/>
+              </a:rPr>
+              <a:t> / </a:t>
+            </a:r>
+            <a:r>
+              <a:rPr lang="ko-KR" altLang="en-US" dirty="0">
+                <a:latin typeface="+mj-lt"/>
+              </a:rPr>
+              <a:t>사용자</a:t>
+            </a:r>
+            <a:r>
+              <a:rPr lang="en-US" altLang="ko-KR" dirty="0">
+                <a:latin typeface="+mj-lt"/>
+              </a:rPr>
+              <a:t>: </a:t>
+            </a:r>
+            <a:r>
+              <a:rPr lang="ko-KR" altLang="en-US" dirty="0">
+                <a:latin typeface="+mj-lt"/>
+              </a:rPr>
+              <a:t>사용층 조사 </a:t>
+            </a:r>
+            <a:r>
+              <a:rPr lang="en-US" altLang="ko-KR" dirty="0">
+                <a:latin typeface="+mj-lt"/>
+              </a:rPr>
+              <a:t>/ </a:t>
+            </a:r>
+            <a:r>
+              <a:rPr lang="ko-KR" altLang="en-US" dirty="0">
+                <a:latin typeface="+mj-lt"/>
+              </a:rPr>
+              <a:t>타겟팅</a:t>
+            </a:r>
+            <a:r>
+              <a:rPr lang="en-US" altLang="ko-KR" dirty="0">
+                <a:latin typeface="+mj-lt"/>
+              </a:rPr>
+              <a:t>: </a:t>
+            </a:r>
+            <a:r>
+              <a:rPr lang="ko-KR" altLang="en-US" dirty="0">
+                <a:latin typeface="+mj-lt"/>
+              </a:rPr>
+              <a:t>실질적인 </a:t>
+            </a:r>
+            <a:r>
+              <a:rPr lang="en-US" altLang="ko-KR" dirty="0">
+                <a:latin typeface="+mj-lt"/>
+              </a:rPr>
+              <a:t>Survey</a:t>
+            </a:r>
+            <a:r>
+              <a:rPr lang="ko-KR" altLang="en-US" dirty="0">
+                <a:latin typeface="+mj-lt"/>
+              </a:rPr>
+              <a:t> 필요</a:t>
+            </a:r>
+            <a:endParaRPr lang="en-US" altLang="ko-KR" dirty="0">
+              <a:latin typeface="+mj-lt"/>
+            </a:endParaRPr>
+          </a:p>
+        </p:txBody>
+      </p:sp>
+      <p:sp>
+        <p:nvSpPr>
+          <p:cNvPr id="5" name="TextBox 4">
+            <a:extLst>
+              <a:ext uri="{FF2B5EF4-FFF2-40B4-BE49-F238E27FC236}">
+                <a16:creationId xmlns:a16="http://schemas.microsoft.com/office/drawing/2014/main" id="{9076FFC5-70AA-4427-B4CB-7C596FCB796A}"/>
+              </a:ext>
+            </a:extLst>
+          </p:cNvPr>
+          <p:cNvSpPr txBox="1"/>
+          <p:nvPr/>
+        </p:nvSpPr>
+        <p:spPr>
+          <a:xfrm>
+            <a:off x="734475" y="937162"/>
+            <a:ext cx="10723047" cy="523220"/>
+          </a:xfrm>
+          <a:prstGeom prst="rect">
+            <a:avLst/>
+          </a:prstGeom>
+          <a:noFill/>
+        </p:spPr>
+        <p:txBody>
+          <a:bodyPr wrap="square" rtlCol="0">
+            <a:spAutoFit/>
+          </a:bodyPr>
+          <a:lstStyle/>
+          <a:p>
+            <a:r>
+              <a:rPr lang="ko-KR" altLang="en-US" sz="1400" dirty="0">
+                <a:latin typeface="+mj-lt"/>
+              </a:rPr>
+              <a:t>구글 폼 등을 통한 실질적 조사가 필요함</a:t>
+            </a:r>
+            <a:endParaRPr lang="en-US" altLang="ko-KR" sz="1400" dirty="0">
+              <a:latin typeface="+mj-lt"/>
+            </a:endParaRPr>
+          </a:p>
+          <a:p>
+            <a:endParaRPr lang="en-US" altLang="ko-KR" sz="1400" dirty="0">
+              <a:latin typeface="+mj-lt"/>
+            </a:endParaRPr>
+          </a:p>
+        </p:txBody>
+      </p:sp>
+    </p:spTree>
+    <p:extLst>
+      <p:ext uri="{BB962C8B-B14F-4D97-AF65-F5344CB8AC3E}">
+        <p14:creationId xmlns:p14="http://schemas.microsoft.com/office/powerpoint/2010/main" val="1627842369"/>
+      </p:ext>
+    </p:extLst>
+  </p:cSld>
+  <p:clrMapOvr>
+    <a:masterClrMapping/>
+  </p:clrMapOvr>
+</p:sld>
+</file>
+
+<file path=ppt/slides/slide6.xml><?xml version="1.0" encoding="utf-8"?>
+<p:sld xmlns:a="http://schemas.openxmlformats.org/drawingml/2006/main" xmlns:r="http://schemas.openxmlformats.org/officeDocument/2006/relationships" xmlns:p="http://schemas.openxmlformats.org/presentationml/2006/main">
+  <p:cSld>
+    <p:spTree>
+      <p:nvGrpSpPr>
+        <p:cNvPr id="1" name=""/>
+        <p:cNvGrpSpPr/>
+        <p:nvPr/>
+      </p:nvGrpSpPr>
+      <p:grpSpPr>
+        <a:xfrm>
+          <a:off x="0" y="0"/>
+          <a:ext cx="0" cy="0"/>
+          <a:chOff x="0" y="0"/>
+          <a:chExt cx="0" cy="0"/>
+        </a:xfrm>
+      </p:grpSpPr>
+      <p:sp>
+        <p:nvSpPr>
+          <p:cNvPr id="4" name="TextBox 3">
+            <a:extLst>
+              <a:ext uri="{FF2B5EF4-FFF2-40B4-BE49-F238E27FC236}">
+                <a16:creationId xmlns:a16="http://schemas.microsoft.com/office/drawing/2014/main" id="{B78C8E87-E0DC-4C6E-82B7-329C6EC44E56}"/>
+              </a:ext>
+            </a:extLst>
+          </p:cNvPr>
+          <p:cNvSpPr txBox="1"/>
+          <p:nvPr/>
+        </p:nvSpPr>
+        <p:spPr>
+          <a:xfrm>
+            <a:off x="308344" y="446567"/>
+            <a:ext cx="5933034" cy="369332"/>
+          </a:xfrm>
+          <a:prstGeom prst="rect">
+            <a:avLst/>
+          </a:prstGeom>
+          <a:noFill/>
+        </p:spPr>
+        <p:txBody>
+          <a:bodyPr wrap="none" rtlCol="0">
+            <a:spAutoFit/>
+          </a:bodyPr>
+          <a:lstStyle/>
+          <a:p>
+            <a:r>
+              <a:rPr lang="en-US" altLang="ko-KR" dirty="0">
+                <a:latin typeface="+mj-lt"/>
+              </a:rPr>
+              <a:t>3. </a:t>
+            </a:r>
+            <a:r>
+              <a:rPr lang="ko-KR" altLang="en-US" dirty="0">
+                <a:latin typeface="+mj-lt"/>
+              </a:rPr>
+              <a:t>공급자</a:t>
+            </a:r>
+            <a:r>
+              <a:rPr lang="en-US" altLang="ko-KR" dirty="0">
+                <a:latin typeface="+mj-lt"/>
+              </a:rPr>
+              <a:t>: </a:t>
+            </a:r>
+            <a:r>
+              <a:rPr lang="ko-KR" altLang="en-US" dirty="0">
+                <a:latin typeface="+mj-lt"/>
+              </a:rPr>
+              <a:t>투자 기업 </a:t>
+            </a:r>
+            <a:r>
+              <a:rPr lang="en-US" altLang="ko-KR" dirty="0">
+                <a:latin typeface="+mj-lt"/>
+              </a:rPr>
+              <a:t>/ </a:t>
+            </a:r>
+            <a:r>
+              <a:rPr lang="ko-KR" altLang="en-US" dirty="0">
+                <a:latin typeface="+mj-lt"/>
+              </a:rPr>
+              <a:t>단체 </a:t>
+            </a:r>
+            <a:r>
+              <a:rPr lang="en-US" altLang="ko-KR" dirty="0">
+                <a:latin typeface="+mj-lt"/>
+              </a:rPr>
+              <a:t>/ </a:t>
+            </a:r>
+            <a:r>
+              <a:rPr lang="ko-KR" altLang="en-US" dirty="0">
+                <a:latin typeface="+mj-lt"/>
+              </a:rPr>
+              <a:t>개인</a:t>
+            </a:r>
+            <a:r>
+              <a:rPr lang="en-US" altLang="ko-KR" dirty="0">
+                <a:latin typeface="+mj-lt"/>
+              </a:rPr>
+              <a:t>: </a:t>
+            </a:r>
+            <a:r>
+              <a:rPr lang="ko-KR" altLang="en-US" dirty="0">
+                <a:latin typeface="+mj-lt"/>
+              </a:rPr>
+              <a:t>초기 자금 유치 방안</a:t>
+            </a:r>
+            <a:endParaRPr lang="en-US" altLang="ko-KR" dirty="0">
+              <a:latin typeface="+mj-lt"/>
+            </a:endParaRPr>
+          </a:p>
+        </p:txBody>
+      </p:sp>
+      <p:sp>
+        <p:nvSpPr>
+          <p:cNvPr id="5" name="TextBox 4">
+            <a:extLst>
+              <a:ext uri="{FF2B5EF4-FFF2-40B4-BE49-F238E27FC236}">
+                <a16:creationId xmlns:a16="http://schemas.microsoft.com/office/drawing/2014/main" id="{9076FFC5-70AA-4427-B4CB-7C596FCB796A}"/>
+              </a:ext>
+            </a:extLst>
+          </p:cNvPr>
+          <p:cNvSpPr txBox="1"/>
+          <p:nvPr/>
+        </p:nvSpPr>
+        <p:spPr>
+          <a:xfrm>
+            <a:off x="734475" y="937162"/>
+            <a:ext cx="10723047" cy="954107"/>
+          </a:xfrm>
+          <a:prstGeom prst="rect">
+            <a:avLst/>
+          </a:prstGeom>
+          <a:noFill/>
+        </p:spPr>
+        <p:txBody>
+          <a:bodyPr wrap="square" rtlCol="0">
+            <a:spAutoFit/>
+          </a:bodyPr>
+          <a:lstStyle/>
+          <a:p>
+            <a:r>
+              <a:rPr lang="ko-KR" altLang="en-US" sz="1400" dirty="0">
+                <a:latin typeface="+mj-lt"/>
+              </a:rPr>
+              <a:t>여러 방면의 가능성을 열어 둘 필요</a:t>
+            </a:r>
+            <a:endParaRPr lang="en-US" altLang="ko-KR" sz="1400" dirty="0">
+              <a:latin typeface="+mj-lt"/>
+            </a:endParaRPr>
+          </a:p>
+          <a:p>
+            <a:endParaRPr lang="en-US" altLang="ko-KR" sz="1400" dirty="0">
+              <a:latin typeface="+mj-lt"/>
+            </a:endParaRPr>
+          </a:p>
+          <a:p>
+            <a:r>
+              <a:rPr lang="en-US" altLang="ko-KR" sz="1400" dirty="0">
+                <a:latin typeface="+mj-lt"/>
+              </a:rPr>
+              <a:t>1. </a:t>
+            </a:r>
+            <a:r>
+              <a:rPr lang="ko-KR" altLang="en-US" sz="1400" dirty="0">
+                <a:latin typeface="+mj-lt"/>
+              </a:rPr>
+              <a:t>이전에 알아본 국가기관 발 투자 </a:t>
+            </a:r>
+            <a:r>
+              <a:rPr lang="en-US" altLang="ko-KR" sz="1400" dirty="0">
+                <a:latin typeface="+mj-lt"/>
+              </a:rPr>
+              <a:t>+ 2. VC (</a:t>
+            </a:r>
+            <a:r>
+              <a:rPr lang="ko-KR" altLang="en-US" sz="1400" dirty="0">
+                <a:latin typeface="+mj-lt"/>
+              </a:rPr>
+              <a:t>벤처 캐피탈</a:t>
+            </a:r>
+            <a:r>
+              <a:rPr lang="en-US" altLang="ko-KR" sz="1400" dirty="0">
+                <a:latin typeface="+mj-lt"/>
+              </a:rPr>
+              <a:t>)</a:t>
+            </a:r>
+          </a:p>
+          <a:p>
+            <a:r>
+              <a:rPr lang="ko-KR" altLang="en-US" sz="1400" dirty="0">
+                <a:latin typeface="+mj-lt"/>
+              </a:rPr>
+              <a:t>양쪽의 가능성을 열어 두겠다 정도만 해도 괜찮지 않을까 싶음</a:t>
+            </a:r>
+            <a:endParaRPr lang="en-US" altLang="ko-KR" sz="1400" dirty="0">
+              <a:latin typeface="+mj-lt"/>
+            </a:endParaRPr>
+          </a:p>
+        </p:txBody>
+      </p:sp>
+    </p:spTree>
+    <p:extLst>
+      <p:ext uri="{BB962C8B-B14F-4D97-AF65-F5344CB8AC3E}">
+        <p14:creationId xmlns:p14="http://schemas.microsoft.com/office/powerpoint/2010/main" val="650023465"/>
+      </p:ext>
+    </p:extLst>
+  </p:cSld>
+  <p:clrMapOvr>
+    <a:masterClrMapping/>
+  </p:clrMapOvr>
+</p:sld>
+</file>
+
+<file path=ppt/slides/slide7.xml><?xml version="1.0" encoding="utf-8"?>
+<p:sld xmlns:a="http://schemas.openxmlformats.org/drawingml/2006/main" xmlns:r="http://schemas.openxmlformats.org/officeDocument/2006/relationships" xmlns:p="http://schemas.openxmlformats.org/presentationml/2006/main">
+  <p:cSld>
+    <p:spTree>
+      <p:nvGrpSpPr>
+        <p:cNvPr id="1" name=""/>
+        <p:cNvGrpSpPr/>
+        <p:nvPr/>
+      </p:nvGrpSpPr>
+      <p:grpSpPr>
+        <a:xfrm>
+          <a:off x="0" y="0"/>
+          <a:ext cx="0" cy="0"/>
+          <a:chOff x="0" y="0"/>
+          <a:chExt cx="0" cy="0"/>
+        </a:xfrm>
+      </p:grpSpPr>
+      <p:sp>
+        <p:nvSpPr>
+          <p:cNvPr id="4" name="TextBox 3">
+            <a:extLst>
+              <a:ext uri="{FF2B5EF4-FFF2-40B4-BE49-F238E27FC236}">
+                <a16:creationId xmlns:a16="http://schemas.microsoft.com/office/drawing/2014/main" id="{B78C8E87-E0DC-4C6E-82B7-329C6EC44E56}"/>
+              </a:ext>
+            </a:extLst>
+          </p:cNvPr>
+          <p:cNvSpPr txBox="1"/>
+          <p:nvPr/>
+        </p:nvSpPr>
+        <p:spPr>
+          <a:xfrm>
+            <a:off x="308344" y="446567"/>
+            <a:ext cx="7829387" cy="369332"/>
+          </a:xfrm>
+          <a:prstGeom prst="rect">
+            <a:avLst/>
+          </a:prstGeom>
+          <a:noFill/>
+        </p:spPr>
+        <p:txBody>
+          <a:bodyPr wrap="none" rtlCol="0">
+            <a:spAutoFit/>
+          </a:bodyPr>
+          <a:lstStyle/>
+          <a:p>
+            <a:r>
+              <a:rPr lang="en-US" altLang="ko-KR" dirty="0">
+                <a:latin typeface="+mj-lt"/>
+              </a:rPr>
+              <a:t>3. </a:t>
+            </a:r>
+            <a:r>
+              <a:rPr lang="ko-KR" altLang="en-US" dirty="0">
+                <a:latin typeface="+mj-lt"/>
+              </a:rPr>
+              <a:t>공급자</a:t>
+            </a:r>
+            <a:r>
+              <a:rPr lang="en-US" altLang="ko-KR" dirty="0">
+                <a:latin typeface="+mj-lt"/>
+              </a:rPr>
+              <a:t>: </a:t>
+            </a:r>
+            <a:r>
+              <a:rPr lang="ko-KR" altLang="en-US" dirty="0">
+                <a:latin typeface="+mj-lt"/>
+              </a:rPr>
+              <a:t>후원</a:t>
+            </a:r>
+            <a:r>
+              <a:rPr lang="en-US" altLang="ko-KR" dirty="0">
+                <a:latin typeface="+mj-lt"/>
+              </a:rPr>
+              <a:t>(</a:t>
+            </a:r>
+            <a:r>
+              <a:rPr lang="ko-KR" altLang="en-US" dirty="0">
+                <a:latin typeface="+mj-lt"/>
+              </a:rPr>
+              <a:t>펀딩</a:t>
+            </a:r>
+            <a:r>
+              <a:rPr lang="en-US" altLang="ko-KR" dirty="0">
+                <a:latin typeface="+mj-lt"/>
+              </a:rPr>
+              <a:t>) </a:t>
+            </a:r>
+            <a:r>
+              <a:rPr lang="ko-KR" altLang="en-US" dirty="0">
+                <a:latin typeface="+mj-lt"/>
+              </a:rPr>
+              <a:t>주체기관 </a:t>
+            </a:r>
+            <a:r>
+              <a:rPr lang="en-US" altLang="ko-KR" dirty="0">
+                <a:latin typeface="+mj-lt"/>
+              </a:rPr>
+              <a:t>/ </a:t>
+            </a:r>
+            <a:r>
+              <a:rPr lang="ko-KR" altLang="en-US" dirty="0">
+                <a:latin typeface="+mj-lt"/>
+              </a:rPr>
+              <a:t>단체</a:t>
+            </a:r>
+            <a:r>
+              <a:rPr lang="en-US" altLang="ko-KR" dirty="0">
+                <a:latin typeface="+mj-lt"/>
+              </a:rPr>
+              <a:t>: </a:t>
+            </a:r>
+            <a:r>
+              <a:rPr lang="ko-KR" altLang="en-US" dirty="0">
+                <a:latin typeface="+mj-lt"/>
+              </a:rPr>
+              <a:t>이후 펀딩 컨텐츠 공금에 관한 방안</a:t>
+            </a:r>
+            <a:endParaRPr lang="en-US" altLang="ko-KR" dirty="0">
+              <a:latin typeface="+mj-lt"/>
+            </a:endParaRPr>
+          </a:p>
+        </p:txBody>
+      </p:sp>
+      <p:sp>
+        <p:nvSpPr>
+          <p:cNvPr id="5" name="TextBox 4">
+            <a:extLst>
+              <a:ext uri="{FF2B5EF4-FFF2-40B4-BE49-F238E27FC236}">
+                <a16:creationId xmlns:a16="http://schemas.microsoft.com/office/drawing/2014/main" id="{9076FFC5-70AA-4427-B4CB-7C596FCB796A}"/>
+              </a:ext>
+            </a:extLst>
+          </p:cNvPr>
+          <p:cNvSpPr txBox="1"/>
+          <p:nvPr/>
+        </p:nvSpPr>
+        <p:spPr>
+          <a:xfrm>
+            <a:off x="734475" y="937162"/>
+            <a:ext cx="10723047" cy="307777"/>
+          </a:xfrm>
+          <a:prstGeom prst="rect">
+            <a:avLst/>
+          </a:prstGeom>
+          <a:noFill/>
+        </p:spPr>
+        <p:txBody>
+          <a:bodyPr wrap="square" rtlCol="0">
+            <a:spAutoFit/>
+          </a:bodyPr>
+          <a:lstStyle/>
+          <a:p>
+            <a:r>
+              <a:rPr lang="ko-KR" altLang="en-US" sz="1400" dirty="0">
+                <a:latin typeface="+mj-lt"/>
+              </a:rPr>
+              <a:t>빅워크 벤치마킹 </a:t>
+            </a:r>
+            <a:r>
+              <a:rPr lang="en-US" altLang="ko-KR" sz="1400" dirty="0">
+                <a:latin typeface="+mj-lt"/>
+              </a:rPr>
+              <a:t>+ </a:t>
+            </a:r>
+            <a:r>
+              <a:rPr lang="ko-KR" altLang="en-US" sz="1400" dirty="0">
+                <a:latin typeface="+mj-lt"/>
+              </a:rPr>
+              <a:t>우리가 전에 이야기했던 기관 자체 후원을 적절히 섞으면 될 듯</a:t>
+            </a:r>
+            <a:endParaRPr lang="en-US" altLang="ko-KR" sz="1400" dirty="0">
+              <a:latin typeface="+mj-lt"/>
+            </a:endParaRPr>
+          </a:p>
+        </p:txBody>
+      </p:sp>
+    </p:spTree>
+    <p:extLst>
+      <p:ext uri="{BB962C8B-B14F-4D97-AF65-F5344CB8AC3E}">
+        <p14:creationId xmlns:p14="http://schemas.microsoft.com/office/powerpoint/2010/main" val="3179277330"/>
       </p:ext>
     </p:extLst>
   </p:cSld>
@@ -3663,7 +8208,40 @@
       </a:bgFillStyleLst>
     </a:fmtScheme>
   </a:themeElements>
-  <a:objectDefaults/>
+  <a:objectDefaults>
+    <a:spDef>
+      <a:spPr>
+        <a:noFill/>
+        <a:ln w="19050">
+          <a:solidFill>
+            <a:srgbClr val="FF0000"/>
+          </a:solidFill>
+        </a:ln>
+      </a:spPr>
+      <a:bodyPr rtlCol="0" anchor="ctr"/>
+      <a:lstStyle>
+        <a:defPPr algn="ctr">
+          <a:defRPr/>
+        </a:defPPr>
+      </a:lstStyle>
+      <a:style>
+        <a:lnRef idx="2">
+          <a:schemeClr val="accent1">
+            <a:shade val="50000"/>
+          </a:schemeClr>
+        </a:lnRef>
+        <a:fillRef idx="1">
+          <a:schemeClr val="accent1"/>
+        </a:fillRef>
+        <a:effectRef idx="0">
+          <a:schemeClr val="accent1"/>
+        </a:effectRef>
+        <a:fontRef idx="minor">
+          <a:schemeClr val="lt1"/>
+        </a:fontRef>
+      </a:style>
+    </a:spDef>
+  </a:objectDefaults>
   <a:extraClrSchemeLst/>
   <a:extLst>
     <a:ext uri="{05A4C25C-085E-4340-85A3-A5531E510DB2}">
